--- a/Contentful-queries.pptx
+++ b/Contentful-queries.pptx
@@ -5,17 +5,16 @@
     <p:sldMasterId id="2147483801" r:id="rId1"/>
   </p:sldMasterIdLst>
   <p:notesMasterIdLst>
-    <p:notesMasterId r:id="rId10"/>
+    <p:notesMasterId r:id="rId9"/>
   </p:notesMasterIdLst>
   <p:sldIdLst>
     <p:sldId id="256" r:id="rId2"/>
     <p:sldId id="259" r:id="rId3"/>
-    <p:sldId id="263" r:id="rId4"/>
-    <p:sldId id="262" r:id="rId5"/>
-    <p:sldId id="257" r:id="rId6"/>
-    <p:sldId id="258" r:id="rId7"/>
-    <p:sldId id="261" r:id="rId8"/>
-    <p:sldId id="260" r:id="rId9"/>
+    <p:sldId id="264" r:id="rId4"/>
+    <p:sldId id="265" r:id="rId5"/>
+    <p:sldId id="266" r:id="rId6"/>
+    <p:sldId id="263" r:id="rId7"/>
+    <p:sldId id="262" r:id="rId8"/>
   </p:sldIdLst>
   <p:sldSz cx="12192000" cy="6858000"/>
   <p:notesSz cx="6858000" cy="9144000"/>
@@ -121,16 +120,11 @@
           <p14:sldIdLst>
             <p14:sldId id="256"/>
             <p14:sldId id="259"/>
+            <p14:sldId id="264"/>
+            <p14:sldId id="265"/>
+            <p14:sldId id="266"/>
             <p14:sldId id="263"/>
             <p14:sldId id="262"/>
-          </p14:sldIdLst>
-        </p14:section>
-        <p14:section name="Untitled Section" id="{9B6EB7CC-E287-4EE0-8847-DFF2489A0921}">
-          <p14:sldIdLst>
-            <p14:sldId id="257"/>
-            <p14:sldId id="258"/>
-            <p14:sldId id="261"/>
-            <p14:sldId id="260"/>
           </p14:sldIdLst>
         </p14:section>
       </p14:sectionLst>
@@ -4298,8 +4292,8 @@
           <a:lstStyle/>
           <a:p>
             <a:r>
-              <a:rPr lang="en-US" dirty="0"/>
-              <a:t>c</a:t>
+              <a:rPr lang="en-US" dirty="0" smtClean="0"/>
+              <a:t>C</a:t>
             </a:r>
             <a:r>
               <a:rPr lang="en-US" dirty="0" smtClean="0"/>
@@ -4448,21 +4442,25 @@
               <a:buChar char="q"/>
             </a:pPr>
             <a:r>
-              <a:rPr lang="en-US" sz="3600" dirty="0" smtClean="0"/>
-              <a:t>Why this new Concept?</a:t>
-            </a:r>
-          </a:p>
-          <a:p>
-            <a:pPr marL="0" indent="0">
-              <a:buNone/>
-            </a:pPr>
-            <a:endParaRPr lang="en-US" sz="3600" dirty="0" smtClean="0"/>
+              <a:rPr lang="en-IN" dirty="0"/>
+              <a:t>Software Development Approaches</a:t>
+            </a:r>
+            <a:endParaRPr lang="en-US" dirty="0" smtClean="0"/>
           </a:p>
           <a:p>
             <a:pPr>
               <a:buFont typeface="Wingdings" panose="05000000000000000000" pitchFamily="2" charset="2"/>
               <a:buChar char="q"/>
             </a:pPr>
+            <a:r>
+              <a:rPr lang="en-US" dirty="0" smtClean="0"/>
+              <a:t>Why this new Concept?</a:t>
+            </a:r>
+          </a:p>
+          <a:p>
+            <a:pPr marL="0" indent="0">
+              <a:buNone/>
+            </a:pPr>
             <a:endParaRPr lang="en-US" sz="3600" dirty="0" smtClean="0"/>
           </a:p>
           <a:p>
@@ -4470,7 +4468,7 @@
               <a:buFont typeface="Wingdings" panose="05000000000000000000" pitchFamily="2" charset="2"/>
               <a:buChar char="q"/>
             </a:pPr>
-            <a:endParaRPr lang="en-US" sz="3600" dirty="0"/>
+            <a:endParaRPr lang="en-US" sz="2400" dirty="0"/>
           </a:p>
         </p:txBody>
       </p:sp>
@@ -4553,14 +4551,16 @@
         </p:nvSpPr>
         <p:spPr/>
         <p:txBody>
-          <a:bodyPr/>
-          <a:lstStyle/>
-          <a:p>
-            <a:r>
-              <a:rPr lang="en-IN" dirty="0"/>
-              <a:t>Why new Concept??</a:t>
-            </a:r>
-            <a:endParaRPr lang="en-US" sz="3600" dirty="0"/>
+          <a:bodyPr>
+            <a:normAutofit/>
+          </a:bodyPr>
+          <a:lstStyle/>
+          <a:p>
+            <a:r>
+              <a:rPr lang="en-IN" dirty="0" smtClean="0"/>
+              <a:t>Software Development Approaches</a:t>
+            </a:r>
+            <a:endParaRPr lang="en-US" dirty="0"/>
           </a:p>
         </p:txBody>
       </p:sp>
@@ -4576,12 +4576,14 @@
         </p:nvSpPr>
         <p:spPr>
           <a:xfrm>
-            <a:off x="1704109" y="3013302"/>
-            <a:ext cx="9451570" cy="2855792"/>
-          </a:xfrm>
-        </p:spPr>
-        <p:txBody>
-          <a:bodyPr/>
+            <a:off x="1226127" y="3013302"/>
+            <a:ext cx="4821382" cy="2855792"/>
+          </a:xfrm>
+        </p:spPr>
+        <p:txBody>
+          <a:bodyPr>
+            <a:normAutofit/>
+          </a:bodyPr>
           <a:lstStyle/>
           <a:p>
             <a:pPr marL="0" indent="0">
@@ -4589,93 +4591,149 @@
             </a:pPr>
             <a:r>
               <a:rPr lang="en-IN" b="1" dirty="0" smtClean="0"/>
-              <a:t>Page Centric</a:t>
+              <a:t>Architectural Approach</a:t>
             </a:r>
             <a:r>
               <a:rPr lang="en-IN" dirty="0" smtClean="0"/>
               <a:t>: </a:t>
             </a:r>
             <a:r>
+              <a:rPr lang="en-US" b="1" dirty="0" smtClean="0">
+                <a:solidFill>
+                  <a:srgbClr val="FFC000"/>
+                </a:solidFill>
+              </a:rPr>
+              <a:t>T</a:t>
+            </a:r>
+            <a:r>
+              <a:rPr lang="en-US" dirty="0" smtClean="0"/>
+              <a:t>ightly </a:t>
+            </a:r>
+            <a:r>
+              <a:rPr lang="en-US" dirty="0"/>
+              <a:t>links the back end to the front end</a:t>
+            </a:r>
+            <a:r>
+              <a:rPr lang="en-IN" dirty="0" smtClean="0"/>
+              <a:t>.</a:t>
+            </a:r>
+          </a:p>
+          <a:p>
+            <a:pPr marL="0" indent="0">
+              <a:buNone/>
+            </a:pPr>
+            <a:r>
               <a:rPr lang="en-IN" b="1" dirty="0" smtClean="0"/>
-              <a:t>C</a:t>
-            </a:r>
-            <a:r>
-              <a:rPr lang="en-IN" dirty="0" smtClean="0"/>
-              <a:t>ontent never meant to leave the website.</a:t>
-            </a:r>
-          </a:p>
-          <a:p>
-            <a:pPr marL="0" indent="0">
-              <a:buNone/>
-            </a:pPr>
-            <a:endParaRPr lang="en-IN" dirty="0" smtClean="0"/>
-          </a:p>
-          <a:p>
-            <a:pPr marL="0" indent="0">
-              <a:buNone/>
-            </a:pPr>
-            <a:r>
-              <a:rPr lang="en-IN" b="1" dirty="0" smtClean="0"/>
-              <a:t>All in one</a:t>
+              <a:t>Storage</a:t>
             </a:r>
             <a:r>
               <a:rPr lang="en-IN" dirty="0" smtClean="0"/>
               <a:t>: </a:t>
             </a:r>
             <a:r>
+              <a:rPr lang="en-US" b="1" dirty="0">
+                <a:solidFill>
+                  <a:srgbClr val="FFC000"/>
+                </a:solidFill>
+              </a:rPr>
+              <a:t>C</a:t>
+            </a:r>
+            <a:r>
+              <a:rPr lang="en-US" dirty="0"/>
+              <a:t>ontent is created, managed, and stored—along with all digital assets—on the site’s back end</a:t>
+            </a:r>
+            <a:r>
+              <a:rPr lang="en-IN" dirty="0" smtClean="0"/>
+              <a:t>.</a:t>
+            </a:r>
+          </a:p>
+          <a:p>
+            <a:pPr marL="0" indent="0">
+              <a:buNone/>
+            </a:pPr>
+            <a:r>
               <a:rPr lang="en-IN" b="1" dirty="0" smtClean="0"/>
-              <a:t>M</a:t>
-            </a:r>
-            <a:r>
-              <a:rPr lang="en-IN" dirty="0" smtClean="0"/>
-              <a:t>onolithic core and customizations make it hard to integrate and upgrade.</a:t>
-            </a:r>
-          </a:p>
-          <a:p>
-            <a:pPr marL="0" indent="0">
-              <a:buNone/>
-            </a:pPr>
-            <a:endParaRPr lang="en-IN" dirty="0" smtClean="0"/>
-          </a:p>
-          <a:p>
-            <a:pPr marL="0" indent="0">
-              <a:buNone/>
-            </a:pPr>
-            <a:r>
-              <a:rPr lang="en-IN" b="1" dirty="0" smtClean="0"/>
-              <a:t>Single server</a:t>
+              <a:t>Editor platform</a:t>
             </a:r>
             <a:r>
               <a:rPr lang="en-IN" dirty="0" smtClean="0"/>
               <a:t>: </a:t>
             </a:r>
             <a:r>
-              <a:rPr lang="en-IN" b="1" dirty="0" smtClean="0"/>
-              <a:t>A</a:t>
+              <a:rPr lang="en-US" b="1" dirty="0">
+                <a:solidFill>
+                  <a:srgbClr val="FFC000"/>
+                </a:solidFill>
+              </a:rPr>
+              <a:t>Y</a:t>
+            </a:r>
+            <a:r>
+              <a:rPr lang="en-US" dirty="0" smtClean="0"/>
+              <a:t>our </a:t>
+            </a:r>
+            <a:r>
+              <a:rPr lang="en-US" dirty="0"/>
+              <a:t>editors are writing and publishing on the back end of the same system your website visitors are viewing</a:t>
             </a:r>
             <a:r>
               <a:rPr lang="en-IN" dirty="0" smtClean="0"/>
-              <a:t>rchitected to run on individual server instead of a scalable distributed cloud</a:t>
-            </a:r>
-          </a:p>
-          <a:p>
-            <a:pPr>
-              <a:buFont typeface="Wingdings" panose="05000000000000000000" pitchFamily="2" charset="2"/>
-              <a:buChar char="q"/>
-            </a:pPr>
-            <a:endParaRPr lang="en-IN" dirty="0" smtClean="0"/>
+              <a:t>.</a:t>
+            </a:r>
+            <a:endParaRPr lang="en-IN" b="1" dirty="0" smtClean="0"/>
+          </a:p>
+        </p:txBody>
+      </p:sp>
+      <p:sp>
+        <p:nvSpPr>
+          <p:cNvPr id="11" name="Rectangle 10"/>
+          <p:cNvSpPr/>
+          <p:nvPr/>
+        </p:nvSpPr>
+        <p:spPr>
+          <a:xfrm>
+            <a:off x="1111897" y="1814422"/>
+            <a:ext cx="7165616" cy="830997"/>
+          </a:xfrm>
+          <a:prstGeom prst="rect">
+            <a:avLst/>
+          </a:prstGeom>
+        </p:spPr>
+        <p:txBody>
+          <a:bodyPr wrap="none">
+            <a:spAutoFit/>
+          </a:bodyPr>
+          <a:lstStyle/>
+          <a:p>
+            <a:endParaRPr lang="en-IN" sz="2400" b="1" dirty="0" smtClean="0"/>
+          </a:p>
+          <a:p>
+            <a:r>
+              <a:rPr lang="en-US" sz="2400" b="1" dirty="0"/>
+              <a:t>Traditional/Coupled </a:t>
+            </a:r>
+            <a:r>
+              <a:rPr lang="en-US" sz="2400" b="1" dirty="0" smtClean="0"/>
+              <a:t>CMS, example: Drupal, </a:t>
+            </a:r>
+            <a:r>
+              <a:rPr lang="en-US" sz="2400" b="1" dirty="0" err="1"/>
+              <a:t>W</a:t>
+            </a:r>
+            <a:r>
+              <a:rPr lang="en-US" sz="2400" b="1" dirty="0" err="1" smtClean="0"/>
+              <a:t>ordpress</a:t>
+            </a:r>
+            <a:endParaRPr lang="en-IN" sz="2400" b="1" dirty="0"/>
           </a:p>
         </p:txBody>
       </p:sp>
       <p:pic>
         <p:nvPicPr>
-          <p:cNvPr id="7" name="Content Placeholder 6"/>
+          <p:cNvPr id="12" name="Picture 11"/>
           <p:cNvPicPr>
-            <a:picLocks noGrp="1" noChangeAspect="1"/>
+            <a:picLocks noChangeAspect="1"/>
           </p:cNvPicPr>
-          <p:nvPr>
-            <p:ph sz="half" idx="2"/>
-          </p:nvPr>
+          <p:nvPr/>
         </p:nvPicPr>
         <p:blipFill>
           <a:blip r:embed="rId2" cstate="print">
@@ -4691,21 +4749,26 @@
         </p:blipFill>
         <p:spPr>
           <a:xfrm>
-            <a:off x="1056752" y="2961346"/>
-            <a:ext cx="513452" cy="513452"/>
-          </a:xfrm>
+            <a:off x="1097280" y="178229"/>
+            <a:ext cx="685798" cy="685798"/>
+          </a:xfrm>
+          <a:prstGeom prst="rect">
+            <a:avLst/>
+          </a:prstGeom>
         </p:spPr>
       </p:pic>
       <p:pic>
         <p:nvPicPr>
-          <p:cNvPr id="8" name="Picture 7"/>
+          <p:cNvPr id="18" name="Content Placeholder 17"/>
           <p:cNvPicPr>
-            <a:picLocks noChangeAspect="1"/>
+            <a:picLocks noGrp="1" noChangeAspect="1"/>
           </p:cNvPicPr>
-          <p:nvPr/>
+          <p:nvPr>
+            <p:ph sz="half" idx="2"/>
+          </p:nvPr>
         </p:nvPicPr>
         <p:blipFill>
-          <a:blip r:embed="rId3" cstate="print">
+          <a:blip r:embed="rId3">
             <a:extLst>
               <a:ext uri="{28A0092B-C50C-407E-A947-70E740481C1C}">
                 <a14:useLocalDpi xmlns:a14="http://schemas.microsoft.com/office/drawing/2010/main" val="0"/>
@@ -4718,113 +4781,15 @@
         </p:blipFill>
         <p:spPr>
           <a:xfrm>
-            <a:off x="1056752" y="3865398"/>
-            <a:ext cx="484215" cy="484215"/>
-          </a:xfrm>
-          <a:prstGeom prst="rect">
-            <a:avLst/>
-          </a:prstGeom>
-        </p:spPr>
-      </p:pic>
-      <p:pic>
-        <p:nvPicPr>
-          <p:cNvPr id="9" name="Picture 8"/>
-          <p:cNvPicPr>
-            <a:picLocks noChangeAspect="1"/>
-          </p:cNvPicPr>
-          <p:nvPr/>
-        </p:nvPicPr>
-        <p:blipFill>
-          <a:blip r:embed="rId4" cstate="print">
-            <a:extLst>
-              <a:ext uri="{28A0092B-C50C-407E-A947-70E740481C1C}">
-                <a14:useLocalDpi xmlns:a14="http://schemas.microsoft.com/office/drawing/2010/main" val="0"/>
-              </a:ext>
-            </a:extLst>
-          </a:blip>
-          <a:stretch>
-            <a:fillRect/>
-          </a:stretch>
-        </p:blipFill>
-        <p:spPr>
-          <a:xfrm>
-            <a:off x="1056752" y="4717495"/>
-            <a:ext cx="513452" cy="513452"/>
-          </a:xfrm>
-          <a:prstGeom prst="rect">
-            <a:avLst/>
-          </a:prstGeom>
-        </p:spPr>
-      </p:pic>
-      <p:sp>
-        <p:nvSpPr>
-          <p:cNvPr id="11" name="Rectangle 10"/>
-          <p:cNvSpPr/>
-          <p:nvPr/>
-        </p:nvSpPr>
-        <p:spPr>
-          <a:xfrm>
-            <a:off x="1111897" y="1814422"/>
-            <a:ext cx="4713278" cy="830997"/>
-          </a:xfrm>
-          <a:prstGeom prst="rect">
-            <a:avLst/>
-          </a:prstGeom>
-        </p:spPr>
-        <p:txBody>
-          <a:bodyPr wrap="none">
-            <a:spAutoFit/>
-          </a:bodyPr>
-          <a:lstStyle/>
-          <a:p>
-            <a:endParaRPr lang="en-IN" sz="2400" b="1" dirty="0" smtClean="0"/>
-          </a:p>
-          <a:p>
-            <a:r>
-              <a:rPr lang="en-IN" sz="2400" b="1" dirty="0" smtClean="0"/>
-              <a:t>Problems </a:t>
-            </a:r>
-            <a:r>
-              <a:rPr lang="en-IN" sz="2400" b="1" dirty="0"/>
-              <a:t>with traditional approach</a:t>
-            </a:r>
-          </a:p>
-        </p:txBody>
-      </p:sp>
-      <p:pic>
-        <p:nvPicPr>
-          <p:cNvPr id="12" name="Picture 11"/>
-          <p:cNvPicPr>
-            <a:picLocks noChangeAspect="1"/>
-          </p:cNvPicPr>
-          <p:nvPr/>
-        </p:nvPicPr>
-        <p:blipFill>
-          <a:blip r:embed="rId5" cstate="print">
-            <a:extLst>
-              <a:ext uri="{28A0092B-C50C-407E-A947-70E740481C1C}">
-                <a14:useLocalDpi xmlns:a14="http://schemas.microsoft.com/office/drawing/2010/main" val="0"/>
-              </a:ext>
-            </a:extLst>
-          </a:blip>
-          <a:stretch>
-            <a:fillRect/>
-          </a:stretch>
-        </p:blipFill>
-        <p:spPr>
-          <a:xfrm>
-            <a:off x="1097280" y="178229"/>
-            <a:ext cx="685798" cy="685798"/>
-          </a:xfrm>
-          <a:prstGeom prst="rect">
-            <a:avLst/>
-          </a:prstGeom>
+            <a:off x="6805371" y="2839730"/>
+            <a:ext cx="4350309" cy="3029364"/>
+          </a:xfrm>
         </p:spPr>
       </p:pic>
     </p:spTree>
     <p:extLst>
       <p:ext uri="{BB962C8B-B14F-4D97-AF65-F5344CB8AC3E}">
-        <p14:creationId xmlns:p14="http://schemas.microsoft.com/office/powerpoint/2010/main" val="1972387630"/>
+        <p14:creationId xmlns:p14="http://schemas.microsoft.com/office/powerpoint/2010/main" val="1961451939"/>
       </p:ext>
     </p:extLst>
   </p:cSld>
@@ -4876,8 +4841,8 @@
           <a:lstStyle/>
           <a:p>
             <a:r>
-              <a:rPr lang="en-IN" dirty="0"/>
-              <a:t>Why new Concept??</a:t>
+              <a:rPr lang="en-IN" dirty="0" smtClean="0"/>
+              <a:t>Software Development Approaches</a:t>
             </a:r>
             <a:endParaRPr lang="en-US" dirty="0"/>
           </a:p>
@@ -4895,88 +4860,110 @@
         </p:nvSpPr>
         <p:spPr>
           <a:xfrm>
-            <a:off x="1704109" y="3013302"/>
-            <a:ext cx="9451570" cy="2855792"/>
-          </a:xfrm>
-        </p:spPr>
-        <p:txBody>
-          <a:bodyPr/>
+            <a:off x="1226127" y="3013302"/>
+            <a:ext cx="4821382" cy="2855792"/>
+          </a:xfrm>
+        </p:spPr>
+        <p:txBody>
+          <a:bodyPr>
+            <a:noAutofit/>
+          </a:bodyPr>
           <a:lstStyle/>
           <a:p>
             <a:pPr marL="0" indent="0">
               <a:buNone/>
             </a:pPr>
             <a:r>
-              <a:rPr lang="en-IN" b="1" dirty="0" smtClean="0"/>
-              <a:t>Modular Approach</a:t>
-            </a:r>
-            <a:r>
-              <a:rPr lang="en-IN" dirty="0" smtClean="0"/>
+              <a:rPr lang="en-IN" sz="1900" b="1" dirty="0" smtClean="0"/>
+              <a:t>Architectural Approach</a:t>
+            </a:r>
+            <a:r>
+              <a:rPr lang="en-IN" sz="1900" dirty="0" smtClean="0"/>
               <a:t>: </a:t>
             </a:r>
             <a:r>
-              <a:rPr lang="en-IN" b="1" dirty="0" smtClean="0"/>
-              <a:t>B</a:t>
-            </a:r>
-            <a:r>
-              <a:rPr lang="en-IN" dirty="0" smtClean="0"/>
-              <a:t>uilt to make content reusable and channel independent.</a:t>
+              <a:rPr lang="en-US" sz="1900" b="1" dirty="0" smtClean="0">
+                <a:solidFill>
+                  <a:srgbClr val="FFC000"/>
+                </a:solidFill>
+              </a:rPr>
+              <a:t>S</a:t>
+            </a:r>
+            <a:r>
+              <a:rPr lang="en-US" sz="1900" dirty="0" smtClean="0"/>
+              <a:t>eparates </a:t>
+            </a:r>
+            <a:r>
+              <a:rPr lang="en-US" sz="1900" dirty="0"/>
+              <a:t>the back-end and front-end management of a website into two different systems</a:t>
+            </a:r>
+            <a:r>
+              <a:rPr lang="en-IN" sz="1900" dirty="0" smtClean="0"/>
+              <a:t>.</a:t>
             </a:r>
           </a:p>
           <a:p>
             <a:pPr marL="0" indent="0">
               <a:buNone/>
             </a:pPr>
-            <a:endParaRPr lang="en-IN" dirty="0" smtClean="0"/>
+            <a:r>
+              <a:rPr lang="en-IN" sz="1900" b="1" dirty="0" smtClean="0"/>
+              <a:t>Storage</a:t>
+            </a:r>
+            <a:r>
+              <a:rPr lang="en-IN" sz="1900" dirty="0" smtClean="0"/>
+              <a:t>: </a:t>
+            </a:r>
+            <a:r>
+              <a:rPr lang="en-US" sz="1900" b="1" dirty="0">
+                <a:solidFill>
+                  <a:srgbClr val="FFC000"/>
+                </a:solidFill>
+              </a:rPr>
+              <a:t>C</a:t>
+            </a:r>
+            <a:r>
+              <a:rPr lang="en-US" sz="1900" dirty="0"/>
+              <a:t>ontent is created, managed, and stored—along with all digital assets—on the site’s back end</a:t>
+            </a:r>
+            <a:r>
+              <a:rPr lang="en-IN" sz="1900" dirty="0" smtClean="0"/>
+              <a:t>.</a:t>
+            </a:r>
           </a:p>
           <a:p>
             <a:pPr marL="0" indent="0">
               <a:buNone/>
             </a:pPr>
             <a:r>
-              <a:rPr lang="en-IN" b="1" dirty="0" err="1" smtClean="0"/>
-              <a:t>Microservice</a:t>
-            </a:r>
-            <a:r>
-              <a:rPr lang="en-IN" dirty="0" smtClean="0"/>
+              <a:rPr lang="en-IN" sz="1900" b="1" dirty="0" smtClean="0"/>
+              <a:t>Editor platform</a:t>
+            </a:r>
+            <a:r>
+              <a:rPr lang="en-IN" sz="1900" dirty="0" smtClean="0"/>
               <a:t>: </a:t>
             </a:r>
             <a:r>
-              <a:rPr lang="en-IN" b="1" dirty="0" smtClean="0"/>
-              <a:t>A</a:t>
-            </a:r>
-            <a:r>
-              <a:rPr lang="en-IN" dirty="0" smtClean="0"/>
-              <a:t>PI-driven design allows powerful integrations with third parties.</a:t>
-            </a:r>
-          </a:p>
-          <a:p>
-            <a:pPr marL="0" indent="0">
-              <a:buNone/>
-            </a:pPr>
-            <a:endParaRPr lang="en-IN" dirty="0" smtClean="0"/>
-          </a:p>
-          <a:p>
-            <a:pPr marL="0" indent="0">
-              <a:buNone/>
-            </a:pPr>
-            <a:r>
-              <a:rPr lang="en-IN" b="1" dirty="0" smtClean="0"/>
-              <a:t>Cloud Service</a:t>
-            </a:r>
-            <a:r>
-              <a:rPr lang="en-IN" dirty="0" smtClean="0"/>
-              <a:t>: </a:t>
-            </a:r>
-            <a:r>
-              <a:rPr lang="en-IN" b="1" dirty="0" smtClean="0"/>
-              <a:t>D</a:t>
-            </a:r>
-            <a:r>
-              <a:rPr lang="en-IN" dirty="0" smtClean="0"/>
-              <a:t>ecoupled and scalable management and delivery of content.</a:t>
-            </a:r>
-            <a:endParaRPr lang="en-IN" b="1" dirty="0" smtClean="0"/>
+              <a:rPr lang="en-US" sz="1900" b="1" dirty="0">
+                <a:solidFill>
+                  <a:srgbClr val="FFC000"/>
+                </a:solidFill>
+              </a:rPr>
+              <a:t>Y</a:t>
+            </a:r>
+            <a:r>
+              <a:rPr lang="en-US" sz="1900" dirty="0" smtClean="0"/>
+              <a:t>our </a:t>
+            </a:r>
+            <a:r>
+              <a:rPr lang="en-US" sz="1900" dirty="0"/>
+              <a:t>editors are writing and publishing on the back end of the same system your website visitors are viewing</a:t>
+            </a:r>
+            <a:r>
+              <a:rPr lang="en-IN" sz="1900" dirty="0" smtClean="0"/>
+              <a:t>.</a:t>
+            </a:r>
+            <a:endParaRPr lang="en-IN" sz="1900" b="1" dirty="0" smtClean="0"/>
           </a:p>
         </p:txBody>
       </p:sp>
@@ -4989,7 +4976,7 @@
         <p:spPr>
           <a:xfrm>
             <a:off x="1111897" y="1814422"/>
-            <a:ext cx="6276590" cy="830997"/>
+            <a:ext cx="3500830" cy="830997"/>
           </a:xfrm>
           <a:prstGeom prst="rect">
             <a:avLst/>
@@ -5005,18 +4992,14 @@
           </a:p>
           <a:p>
             <a:r>
-              <a:rPr lang="en-IN" sz="2400" b="1" dirty="0" smtClean="0"/>
-              <a:t>How </a:t>
-            </a:r>
-            <a:r>
-              <a:rPr lang="en-IN" sz="2400" b="1" dirty="0" err="1" smtClean="0"/>
-              <a:t>contentful</a:t>
-            </a:r>
-            <a:r>
-              <a:rPr lang="en-IN" sz="2400" b="1" dirty="0" smtClean="0"/>
-              <a:t> contribute in solving problem?</a:t>
-            </a:r>
-            <a:endParaRPr lang="en-IN" sz="2400" b="1" dirty="0"/>
+              <a:rPr lang="en-US" sz="2400" b="1" dirty="0"/>
+              <a:t>Decoupled CMS </a:t>
+            </a:r>
+            <a:r>
+              <a:rPr lang="en-US" sz="2400" b="1" dirty="0" smtClean="0"/>
+              <a:t>Approach</a:t>
+            </a:r>
+            <a:endParaRPr lang="en-US" sz="2400" b="1" dirty="0"/>
           </a:p>
         </p:txBody>
       </p:sp>
@@ -5052,11 +5035,13 @@
       </p:pic>
       <p:pic>
         <p:nvPicPr>
-          <p:cNvPr id="13" name="Picture 12"/>
+          <p:cNvPr id="6" name="Content Placeholder 5"/>
           <p:cNvPicPr>
-            <a:picLocks noChangeAspect="1"/>
+            <a:picLocks noGrp="1" noChangeAspect="1"/>
           </p:cNvPicPr>
-          <p:nvPr/>
+          <p:nvPr>
+            <p:ph sz="half" idx="2"/>
+          </p:nvPr>
         </p:nvPicPr>
         <p:blipFill>
           <a:blip r:embed="rId3">
@@ -5072,77 +5057,15 @@
         </p:blipFill>
         <p:spPr>
           <a:xfrm>
-            <a:off x="996456" y="2904950"/>
-            <a:ext cx="544512" cy="544512"/>
-          </a:xfrm>
-          <a:prstGeom prst="rect">
-            <a:avLst/>
-          </a:prstGeom>
-        </p:spPr>
-      </p:pic>
-      <p:pic>
-        <p:nvPicPr>
-          <p:cNvPr id="15" name="Content Placeholder 14"/>
-          <p:cNvPicPr>
-            <a:picLocks noGrp="1" noChangeAspect="1"/>
-          </p:cNvPicPr>
-          <p:nvPr>
-            <p:ph sz="half" idx="2"/>
-          </p:nvPr>
-        </p:nvPicPr>
-        <p:blipFill>
-          <a:blip r:embed="rId4">
-            <a:extLst>
-              <a:ext uri="{28A0092B-C50C-407E-A947-70E740481C1C}">
-                <a14:useLocalDpi xmlns:a14="http://schemas.microsoft.com/office/drawing/2010/main" val="0"/>
-              </a:ext>
-            </a:extLst>
-          </a:blip>
-          <a:stretch>
-            <a:fillRect/>
-          </a:stretch>
-        </p:blipFill>
-        <p:spPr>
-          <a:xfrm>
-            <a:off x="996456" y="3788674"/>
-            <a:ext cx="544512" cy="544512"/>
-          </a:xfrm>
-        </p:spPr>
-      </p:pic>
-      <p:pic>
-        <p:nvPicPr>
-          <p:cNvPr id="16" name="Picture 15"/>
-          <p:cNvPicPr>
-            <a:picLocks noChangeAspect="1"/>
-          </p:cNvPicPr>
-          <p:nvPr/>
-        </p:nvPicPr>
-        <p:blipFill>
-          <a:blip r:embed="rId5">
-            <a:extLst>
-              <a:ext uri="{28A0092B-C50C-407E-A947-70E740481C1C}">
-                <a14:useLocalDpi xmlns:a14="http://schemas.microsoft.com/office/drawing/2010/main" val="0"/>
-              </a:ext>
-            </a:extLst>
-          </a:blip>
-          <a:stretch>
-            <a:fillRect/>
-          </a:stretch>
-        </p:blipFill>
-        <p:spPr>
-          <a:xfrm>
-            <a:off x="984329" y="4651616"/>
-            <a:ext cx="565162" cy="565162"/>
-          </a:xfrm>
-          <a:prstGeom prst="rect">
-            <a:avLst/>
-          </a:prstGeom>
+            <a:off x="6218238" y="2623344"/>
+            <a:ext cx="4937125" cy="2468562"/>
+          </a:xfrm>
         </p:spPr>
       </p:pic>
     </p:spTree>
     <p:extLst>
       <p:ext uri="{BB962C8B-B14F-4D97-AF65-F5344CB8AC3E}">
-        <p14:creationId xmlns:p14="http://schemas.microsoft.com/office/powerpoint/2010/main" val="1027493246"/>
+        <p14:creationId xmlns:p14="http://schemas.microsoft.com/office/powerpoint/2010/main" val="4283947969"/>
       </p:ext>
     </p:extLst>
   </p:cSld>
@@ -5188,144 +5111,189 @@
         </p:nvSpPr>
         <p:spPr/>
         <p:txBody>
-          <a:bodyPr/>
-          <a:lstStyle/>
-          <a:p>
-            <a:endParaRPr lang="en-US" dirty="0"/>
-          </a:p>
-        </p:txBody>
-      </p:sp>
-      <p:sp>
-        <p:nvSpPr>
-          <p:cNvPr id="3" name="Content Placeholder 2"/>
-          <p:cNvSpPr>
-            <a:spLocks noGrp="1"/>
-          </p:cNvSpPr>
-          <p:nvPr>
-            <p:ph idx="1"/>
-          </p:nvPr>
-        </p:nvSpPr>
-        <p:spPr/>
-        <p:txBody>
           <a:bodyPr>
             <a:normAutofit/>
           </a:bodyPr>
           <a:lstStyle/>
           <a:p>
-            <a:pPr>
-              <a:buFont typeface="Wingdings" panose="05000000000000000000" pitchFamily="2" charset="2"/>
-              <a:buChar char="q"/>
+            <a:r>
+              <a:rPr lang="en-IN" dirty="0" smtClean="0"/>
+              <a:t>Software Development Approaches</a:t>
+            </a:r>
+            <a:endParaRPr lang="en-US" dirty="0"/>
+          </a:p>
+        </p:txBody>
+      </p:sp>
+      <p:sp>
+        <p:nvSpPr>
+          <p:cNvPr id="5" name="Content Placeholder 4"/>
+          <p:cNvSpPr>
+            <a:spLocks noGrp="1"/>
+          </p:cNvSpPr>
+          <p:nvPr>
+            <p:ph sz="half" idx="1"/>
+          </p:nvPr>
+        </p:nvSpPr>
+        <p:spPr>
+          <a:xfrm>
+            <a:off x="1226127" y="3013301"/>
+            <a:ext cx="4821382" cy="2867953"/>
+          </a:xfrm>
+        </p:spPr>
+        <p:txBody>
+          <a:bodyPr>
+            <a:noAutofit/>
+          </a:bodyPr>
+          <a:lstStyle/>
+          <a:p>
+            <a:pPr marL="0" indent="0">
+              <a:buNone/>
             </a:pPr>
             <a:r>
-              <a:rPr lang="en-US" sz="3200" dirty="0" smtClean="0"/>
-              <a:t> Client </a:t>
-            </a:r>
-            <a:r>
-              <a:rPr lang="en-US" sz="3200" dirty="0"/>
-              <a:t>domain it suits </a:t>
-            </a:r>
-            <a:r>
-              <a:rPr lang="en-US" sz="3200" dirty="0" smtClean="0"/>
-              <a:t>best.</a:t>
-            </a:r>
-          </a:p>
-          <a:p>
-            <a:pPr>
-              <a:buFont typeface="Wingdings" panose="05000000000000000000" pitchFamily="2" charset="2"/>
-              <a:buChar char="q"/>
+              <a:rPr lang="en-IN" sz="1900" b="1" dirty="0" smtClean="0"/>
+              <a:t>Architectural Approach</a:t>
+            </a:r>
+            <a:r>
+              <a:rPr lang="en-IN" sz="1900" dirty="0" smtClean="0"/>
+              <a:t>: </a:t>
+            </a:r>
+            <a:r>
+              <a:rPr lang="en-US" sz="1800" b="1" dirty="0" smtClean="0">
+                <a:solidFill>
+                  <a:srgbClr val="FFC000"/>
+                </a:solidFill>
+              </a:rPr>
+              <a:t>C</a:t>
+            </a:r>
+            <a:r>
+              <a:rPr lang="en-US" sz="1800" dirty="0" smtClean="0"/>
+              <a:t>ontent-only </a:t>
+            </a:r>
+            <a:r>
+              <a:rPr lang="en-US" sz="1800" dirty="0"/>
+              <a:t>data source and has no functionality within the CMS to present content to an end user on it’s own</a:t>
+            </a:r>
+            <a:r>
+              <a:rPr lang="en-IN" sz="1900" dirty="0" smtClean="0"/>
+              <a:t>.</a:t>
+            </a:r>
+          </a:p>
+          <a:p>
+            <a:pPr marL="0" indent="0">
+              <a:buNone/>
             </a:pPr>
             <a:r>
-              <a:rPr lang="en-US" sz="3200" dirty="0"/>
-              <a:t> Contribution in personalization</a:t>
-            </a:r>
-            <a:r>
-              <a:rPr lang="en-US" sz="3200" dirty="0" smtClean="0"/>
+              <a:rPr lang="en-IN" sz="1900" b="1" dirty="0" smtClean="0"/>
+              <a:t>Storage</a:t>
+            </a:r>
+            <a:r>
+              <a:rPr lang="en-IN" sz="1900" dirty="0" smtClean="0"/>
+              <a:t>: </a:t>
+            </a:r>
+            <a:r>
+              <a:rPr lang="en-US" sz="1800" b="1" dirty="0" smtClean="0">
+                <a:solidFill>
+                  <a:srgbClr val="FFC000"/>
+                </a:solidFill>
+              </a:rPr>
+              <a:t>C</a:t>
+            </a:r>
+            <a:r>
+              <a:rPr lang="en-US" sz="1800" dirty="0" smtClean="0"/>
+              <a:t>loud storage where the </a:t>
+            </a:r>
+            <a:r>
+              <a:rPr lang="en-US" sz="1900" dirty="0" smtClean="0"/>
+              <a:t>content </a:t>
+            </a:r>
+            <a:r>
+              <a:rPr lang="en-US" sz="1900" dirty="0"/>
+              <a:t>is created, managed, and stored—along with all digital </a:t>
+            </a:r>
+            <a:r>
+              <a:rPr lang="en-US" sz="1900" dirty="0" smtClean="0"/>
+              <a:t>assets only without frontend code</a:t>
+            </a:r>
+            <a:r>
+              <a:rPr lang="en-IN" sz="1900" dirty="0" smtClean="0"/>
               <a:t>.</a:t>
             </a:r>
           </a:p>
           <a:p>
-            <a:pPr>
-              <a:buFont typeface="Wingdings" panose="05000000000000000000" pitchFamily="2" charset="2"/>
-              <a:buChar char="q"/>
+            <a:pPr marL="0" indent="0">
+              <a:buNone/>
             </a:pPr>
             <a:r>
-              <a:rPr lang="en-US" sz="3200" dirty="0" smtClean="0"/>
-              <a:t> Customizing the contentful editor/interface.</a:t>
-            </a:r>
-          </a:p>
-          <a:p>
-            <a:pPr>
-              <a:buFont typeface="Wingdings" panose="05000000000000000000" pitchFamily="2" charset="2"/>
-              <a:buChar char="q"/>
-            </a:pPr>
-            <a:r>
-              <a:rPr lang="en-US" sz="3200" dirty="0" smtClean="0"/>
-              <a:t> Contributing </a:t>
-            </a:r>
-            <a:r>
-              <a:rPr lang="en-US" sz="3200" dirty="0"/>
-              <a:t>in social </a:t>
-            </a:r>
-            <a:r>
-              <a:rPr lang="en-US" sz="3200" dirty="0" smtClean="0"/>
-              <a:t>experience, predictive </a:t>
-            </a:r>
-            <a:r>
-              <a:rPr lang="en-US" sz="3200" dirty="0"/>
-              <a:t>marketing, Goal </a:t>
-            </a:r>
-            <a:r>
-              <a:rPr lang="en-US" sz="3200" dirty="0" smtClean="0"/>
-              <a:t>tracing, </a:t>
-            </a:r>
-            <a:r>
-              <a:rPr lang="en-US" sz="3200" dirty="0"/>
-              <a:t>Marketing </a:t>
-            </a:r>
-            <a:r>
-              <a:rPr lang="en-US" sz="3200" dirty="0" smtClean="0"/>
-              <a:t>Automation, multisite.</a:t>
-            </a:r>
-          </a:p>
-          <a:p>
-            <a:pPr>
-              <a:buFont typeface="Wingdings" panose="05000000000000000000" pitchFamily="2" charset="2"/>
-              <a:buChar char="q"/>
-            </a:pPr>
-            <a:r>
-              <a:rPr lang="en-US" sz="3200" dirty="0" smtClean="0"/>
-              <a:t> Fastening </a:t>
-            </a:r>
-            <a:r>
-              <a:rPr lang="en-US" sz="3200" dirty="0"/>
-              <a:t>the development process of the site, </a:t>
-            </a:r>
-            <a:r>
-              <a:rPr lang="en-US" sz="3200" dirty="0" smtClean="0"/>
-              <a:t>comparing </a:t>
-            </a:r>
-            <a:r>
-              <a:rPr lang="en-US" sz="3200" dirty="0"/>
-              <a:t>from the other </a:t>
-            </a:r>
-            <a:r>
-              <a:rPr lang="en-US" sz="3200" dirty="0" smtClean="0"/>
-              <a:t>CMS.</a:t>
-            </a:r>
-            <a:endParaRPr lang="en-US" sz="3200" dirty="0"/>
-          </a:p>
-          <a:p>
-            <a:pPr>
-              <a:buFont typeface="Wingdings" panose="05000000000000000000" pitchFamily="2" charset="2"/>
-              <a:buChar char="q"/>
-            </a:pPr>
-            <a:endParaRPr lang="en-US" sz="4200" dirty="0"/>
+              <a:rPr lang="en-IN" sz="1900" b="1" dirty="0" smtClean="0"/>
+              <a:t>Editor platform</a:t>
+            </a:r>
+            <a:r>
+              <a:rPr lang="en-IN" sz="1900" dirty="0" smtClean="0"/>
+              <a:t>: </a:t>
+            </a:r>
+            <a:r>
+              <a:rPr lang="en-US" sz="1900" b="1" dirty="0">
+                <a:solidFill>
+                  <a:srgbClr val="FFC000"/>
+                </a:solidFill>
+              </a:rPr>
+              <a:t>Y</a:t>
+            </a:r>
+            <a:r>
+              <a:rPr lang="en-US" sz="1900" dirty="0"/>
+              <a:t>our editors are writing and publishing on the back end of the same </a:t>
+            </a:r>
+            <a:r>
+              <a:rPr lang="en-US" sz="1900" dirty="0" smtClean="0"/>
+              <a:t>different ecosystem.</a:t>
+            </a:r>
+            <a:endParaRPr lang="en-IN" sz="1900" b="1" dirty="0"/>
+          </a:p>
+        </p:txBody>
+      </p:sp>
+      <p:sp>
+        <p:nvSpPr>
+          <p:cNvPr id="11" name="Rectangle 10"/>
+          <p:cNvSpPr/>
+          <p:nvPr/>
+        </p:nvSpPr>
+        <p:spPr>
+          <a:xfrm>
+            <a:off x="1111897" y="1814422"/>
+            <a:ext cx="3625929" cy="830997"/>
+          </a:xfrm>
+          <a:prstGeom prst="rect">
+            <a:avLst/>
+          </a:prstGeom>
+        </p:spPr>
+        <p:txBody>
+          <a:bodyPr wrap="none">
+            <a:spAutoFit/>
+          </a:bodyPr>
+          <a:lstStyle/>
+          <a:p>
+            <a:endParaRPr lang="en-IN" sz="2400" b="1" dirty="0" smtClean="0"/>
+          </a:p>
+          <a:p>
+            <a:r>
+              <a:rPr lang="en-US" sz="2400" b="1" dirty="0" smtClean="0"/>
+              <a:t>Headless </a:t>
+            </a:r>
+            <a:r>
+              <a:rPr lang="en-US" sz="2400" b="1" dirty="0"/>
+              <a:t>CMS </a:t>
+            </a:r>
+            <a:r>
+              <a:rPr lang="en-US" sz="2400" b="1" dirty="0" smtClean="0"/>
+              <a:t>Architecture</a:t>
+            </a:r>
+            <a:endParaRPr lang="en-US" sz="2400" b="1" dirty="0"/>
           </a:p>
         </p:txBody>
       </p:sp>
       <p:pic>
         <p:nvPicPr>
-          <p:cNvPr id="6" name="Picture 5"/>
+          <p:cNvPr id="12" name="Picture 11"/>
           <p:cNvPicPr>
             <a:picLocks noChangeAspect="1"/>
           </p:cNvPicPr>
@@ -5353,10 +5321,39 @@
           </a:prstGeom>
         </p:spPr>
       </p:pic>
+      <p:pic>
+        <p:nvPicPr>
+          <p:cNvPr id="4" name="Content Placeholder 3"/>
+          <p:cNvPicPr>
+            <a:picLocks noGrp="1" noChangeAspect="1"/>
+          </p:cNvPicPr>
+          <p:nvPr>
+            <p:ph sz="half" idx="2"/>
+          </p:nvPr>
+        </p:nvPicPr>
+        <p:blipFill>
+          <a:blip r:embed="rId3">
+            <a:extLst>
+              <a:ext uri="{28A0092B-C50C-407E-A947-70E740481C1C}">
+                <a14:useLocalDpi xmlns:a14="http://schemas.microsoft.com/office/drawing/2010/main" val="0"/>
+              </a:ext>
+            </a:extLst>
+          </a:blip>
+          <a:stretch>
+            <a:fillRect/>
+          </a:stretch>
+        </p:blipFill>
+        <p:spPr>
+          <a:xfrm>
+            <a:off x="6218238" y="2623344"/>
+            <a:ext cx="4937125" cy="2468562"/>
+          </a:xfrm>
+        </p:spPr>
+      </p:pic>
     </p:spTree>
     <p:extLst>
       <p:ext uri="{BB962C8B-B14F-4D97-AF65-F5344CB8AC3E}">
-        <p14:creationId xmlns:p14="http://schemas.microsoft.com/office/powerpoint/2010/main" val="2225572560"/>
+        <p14:creationId xmlns:p14="http://schemas.microsoft.com/office/powerpoint/2010/main" val="1407383918"/>
       </p:ext>
     </p:extLst>
   </p:cSld>
@@ -5406,118 +5403,137 @@
           <a:lstStyle/>
           <a:p>
             <a:r>
-              <a:rPr lang="en-US" dirty="0" smtClean="0"/>
-              <a:t>Technical Queries</a:t>
-            </a:r>
-            <a:endParaRPr lang="en-US" dirty="0"/>
-          </a:p>
-        </p:txBody>
-      </p:sp>
-      <p:sp>
-        <p:nvSpPr>
-          <p:cNvPr id="3" name="Content Placeholder 2"/>
-          <p:cNvSpPr>
-            <a:spLocks noGrp="1"/>
-          </p:cNvSpPr>
-          <p:nvPr>
-            <p:ph idx="1"/>
-          </p:nvPr>
-        </p:nvSpPr>
-        <p:spPr/>
-        <p:txBody>
-          <a:bodyPr>
-            <a:normAutofit lnSpcReduction="10000"/>
-          </a:bodyPr>
-          <a:lstStyle/>
+              <a:rPr lang="en-IN" dirty="0"/>
+              <a:t>Why new Concept??</a:t>
+            </a:r>
+            <a:endParaRPr lang="en-US" sz="3600" dirty="0"/>
+          </a:p>
+        </p:txBody>
+      </p:sp>
+      <p:sp>
+        <p:nvSpPr>
+          <p:cNvPr id="5" name="Content Placeholder 4"/>
+          <p:cNvSpPr>
+            <a:spLocks noGrp="1"/>
+          </p:cNvSpPr>
+          <p:nvPr>
+            <p:ph sz="half" idx="1"/>
+          </p:nvPr>
+        </p:nvSpPr>
+        <p:spPr>
+          <a:xfrm>
+            <a:off x="1704109" y="3013302"/>
+            <a:ext cx="9451570" cy="2855792"/>
+          </a:xfrm>
+        </p:spPr>
+        <p:txBody>
+          <a:bodyPr/>
+          <a:lstStyle/>
+          <a:p>
+            <a:pPr marL="0" indent="0">
+              <a:buNone/>
+            </a:pPr>
+            <a:r>
+              <a:rPr lang="en-IN" b="1" dirty="0" smtClean="0"/>
+              <a:t>Page Centric</a:t>
+            </a:r>
+            <a:r>
+              <a:rPr lang="en-IN" dirty="0" smtClean="0"/>
+              <a:t>: </a:t>
+            </a:r>
+            <a:r>
+              <a:rPr lang="en-IN" b="1" dirty="0" smtClean="0">
+                <a:solidFill>
+                  <a:srgbClr val="FFC000"/>
+                </a:solidFill>
+              </a:rPr>
+              <a:t>C</a:t>
+            </a:r>
+            <a:r>
+              <a:rPr lang="en-IN" dirty="0" smtClean="0"/>
+              <a:t>ontent never meant to leave the website.</a:t>
+            </a:r>
+          </a:p>
+          <a:p>
+            <a:pPr marL="0" indent="0">
+              <a:buNone/>
+            </a:pPr>
+            <a:endParaRPr lang="en-IN" dirty="0" smtClean="0"/>
+          </a:p>
+          <a:p>
+            <a:pPr marL="0" indent="0">
+              <a:buNone/>
+            </a:pPr>
+            <a:r>
+              <a:rPr lang="en-IN" b="1" dirty="0" smtClean="0"/>
+              <a:t>All in one</a:t>
+            </a:r>
+            <a:r>
+              <a:rPr lang="en-IN" dirty="0" smtClean="0"/>
+              <a:t>: </a:t>
+            </a:r>
+            <a:r>
+              <a:rPr lang="en-IN" b="1" dirty="0" smtClean="0">
+                <a:solidFill>
+                  <a:srgbClr val="FFC000"/>
+                </a:solidFill>
+              </a:rPr>
+              <a:t>M</a:t>
+            </a:r>
+            <a:r>
+              <a:rPr lang="en-IN" dirty="0" smtClean="0"/>
+              <a:t>onolithic core and customizations make it hard to integrate and upgrade.</a:t>
+            </a:r>
+          </a:p>
+          <a:p>
+            <a:pPr marL="0" indent="0">
+              <a:buNone/>
+            </a:pPr>
+            <a:endParaRPr lang="en-IN" dirty="0" smtClean="0"/>
+          </a:p>
+          <a:p>
+            <a:pPr marL="0" indent="0">
+              <a:buNone/>
+            </a:pPr>
+            <a:r>
+              <a:rPr lang="en-IN" b="1" dirty="0" smtClean="0"/>
+              <a:t>Single server</a:t>
+            </a:r>
+            <a:r>
+              <a:rPr lang="en-IN" dirty="0" smtClean="0"/>
+              <a:t>: </a:t>
+            </a:r>
+            <a:r>
+              <a:rPr lang="en-IN" b="1" dirty="0" smtClean="0">
+                <a:solidFill>
+                  <a:srgbClr val="FFC000"/>
+                </a:solidFill>
+              </a:rPr>
+              <a:t>A</a:t>
+            </a:r>
+            <a:r>
+              <a:rPr lang="en-IN" dirty="0" smtClean="0"/>
+              <a:t>rchitected to run on individual server instead of a scalable distributed cloud</a:t>
+            </a:r>
+          </a:p>
           <a:p>
             <a:pPr>
               <a:buFont typeface="Wingdings" panose="05000000000000000000" pitchFamily="2" charset="2"/>
               <a:buChar char="q"/>
             </a:pPr>
-            <a:r>
-              <a:rPr lang="en-US" sz="3600" dirty="0"/>
-              <a:t>Initiating the </a:t>
-            </a:r>
-            <a:r>
-              <a:rPr lang="en-US" sz="3600" dirty="0" smtClean="0"/>
-              <a:t>fields with default values i.e. Text-field, image field.</a:t>
-            </a:r>
-          </a:p>
-          <a:p>
-            <a:pPr>
-              <a:buFont typeface="Wingdings" panose="05000000000000000000" pitchFamily="2" charset="2"/>
-              <a:buChar char="q"/>
-            </a:pPr>
-            <a:r>
-              <a:rPr lang="en-US" sz="3600" dirty="0" smtClean="0"/>
-              <a:t>Aspects </a:t>
-            </a:r>
-            <a:r>
-              <a:rPr lang="en-US" sz="3600" dirty="0"/>
-              <a:t>of Extending the functionality of </a:t>
-            </a:r>
-            <a:r>
-              <a:rPr lang="en-US" sz="3600" dirty="0" smtClean="0"/>
-              <a:t>contentful like custom status for the content.</a:t>
-            </a:r>
-          </a:p>
-          <a:p>
-            <a:pPr>
-              <a:buFont typeface="Wingdings" panose="05000000000000000000" pitchFamily="2" charset="2"/>
-              <a:buChar char="q"/>
-            </a:pPr>
-            <a:r>
-              <a:rPr lang="en-US" sz="3600" dirty="0" smtClean="0"/>
-              <a:t>Custom/Dynamic validations, with respect of field value or with particular business logic.</a:t>
-            </a:r>
-          </a:p>
-          <a:p>
-            <a:pPr>
-              <a:buFont typeface="Wingdings" panose="05000000000000000000" pitchFamily="2" charset="2"/>
-              <a:buChar char="q"/>
-            </a:pPr>
-            <a:r>
-              <a:rPr lang="en-US" sz="3600" dirty="0" smtClean="0"/>
-              <a:t>Supporting testing features.</a:t>
-            </a:r>
-          </a:p>
-          <a:p>
-            <a:pPr>
-              <a:buFont typeface="Wingdings" panose="05000000000000000000" pitchFamily="2" charset="2"/>
-              <a:buChar char="q"/>
-            </a:pPr>
-            <a:endParaRPr lang="en-US" sz="3600" dirty="0" smtClean="0"/>
-          </a:p>
-          <a:p>
-            <a:pPr>
-              <a:buFont typeface="Wingdings" panose="05000000000000000000" pitchFamily="2" charset="2"/>
-              <a:buChar char="q"/>
-            </a:pPr>
-            <a:endParaRPr lang="en-US" sz="3600" dirty="0" smtClean="0"/>
-          </a:p>
-          <a:p>
-            <a:pPr>
-              <a:buFont typeface="Wingdings" panose="05000000000000000000" pitchFamily="2" charset="2"/>
-              <a:buChar char="q"/>
-            </a:pPr>
-            <a:endParaRPr lang="en-US" sz="3600" dirty="0"/>
-          </a:p>
-          <a:p>
-            <a:pPr>
-              <a:buFont typeface="Wingdings" panose="05000000000000000000" pitchFamily="2" charset="2"/>
-              <a:buChar char="q"/>
-            </a:pPr>
-            <a:endParaRPr lang="en-US" sz="3600" dirty="0"/>
+            <a:endParaRPr lang="en-IN" dirty="0" smtClean="0"/>
           </a:p>
         </p:txBody>
       </p:sp>
       <p:pic>
         <p:nvPicPr>
-          <p:cNvPr id="5" name="Picture 4"/>
+          <p:cNvPr id="7" name="Content Placeholder 6"/>
           <p:cNvPicPr>
-            <a:picLocks noChangeAspect="1"/>
+            <a:picLocks noGrp="1" noChangeAspect="1"/>
           </p:cNvPicPr>
-          <p:nvPr/>
+          <p:nvPr>
+            <p:ph sz="half" idx="2"/>
+          </p:nvPr>
         </p:nvPicPr>
         <p:blipFill>
           <a:blip r:embed="rId2" cstate="print">
@@ -5533,6 +5549,128 @@
         </p:blipFill>
         <p:spPr>
           <a:xfrm>
+            <a:off x="1056752" y="2961346"/>
+            <a:ext cx="513452" cy="513452"/>
+          </a:xfrm>
+        </p:spPr>
+      </p:pic>
+      <p:pic>
+        <p:nvPicPr>
+          <p:cNvPr id="8" name="Picture 7"/>
+          <p:cNvPicPr>
+            <a:picLocks noChangeAspect="1"/>
+          </p:cNvPicPr>
+          <p:nvPr/>
+        </p:nvPicPr>
+        <p:blipFill>
+          <a:blip r:embed="rId3" cstate="print">
+            <a:extLst>
+              <a:ext uri="{28A0092B-C50C-407E-A947-70E740481C1C}">
+                <a14:useLocalDpi xmlns:a14="http://schemas.microsoft.com/office/drawing/2010/main" val="0"/>
+              </a:ext>
+            </a:extLst>
+          </a:blip>
+          <a:stretch>
+            <a:fillRect/>
+          </a:stretch>
+        </p:blipFill>
+        <p:spPr>
+          <a:xfrm>
+            <a:off x="1056752" y="3865398"/>
+            <a:ext cx="484215" cy="484215"/>
+          </a:xfrm>
+          <a:prstGeom prst="rect">
+            <a:avLst/>
+          </a:prstGeom>
+        </p:spPr>
+      </p:pic>
+      <p:pic>
+        <p:nvPicPr>
+          <p:cNvPr id="9" name="Picture 8"/>
+          <p:cNvPicPr>
+            <a:picLocks noChangeAspect="1"/>
+          </p:cNvPicPr>
+          <p:nvPr/>
+        </p:nvPicPr>
+        <p:blipFill>
+          <a:blip r:embed="rId4" cstate="print">
+            <a:extLst>
+              <a:ext uri="{28A0092B-C50C-407E-A947-70E740481C1C}">
+                <a14:useLocalDpi xmlns:a14="http://schemas.microsoft.com/office/drawing/2010/main" val="0"/>
+              </a:ext>
+            </a:extLst>
+          </a:blip>
+          <a:stretch>
+            <a:fillRect/>
+          </a:stretch>
+        </p:blipFill>
+        <p:spPr>
+          <a:xfrm>
+            <a:off x="1056752" y="4717495"/>
+            <a:ext cx="513452" cy="513452"/>
+          </a:xfrm>
+          <a:prstGeom prst="rect">
+            <a:avLst/>
+          </a:prstGeom>
+        </p:spPr>
+      </p:pic>
+      <p:sp>
+        <p:nvSpPr>
+          <p:cNvPr id="11" name="Rectangle 10"/>
+          <p:cNvSpPr/>
+          <p:nvPr/>
+        </p:nvSpPr>
+        <p:spPr>
+          <a:xfrm>
+            <a:off x="1111897" y="1814422"/>
+            <a:ext cx="4713278" cy="830997"/>
+          </a:xfrm>
+          <a:prstGeom prst="rect">
+            <a:avLst/>
+          </a:prstGeom>
+        </p:spPr>
+        <p:txBody>
+          <a:bodyPr wrap="none">
+            <a:spAutoFit/>
+          </a:bodyPr>
+          <a:lstStyle/>
+          <a:p>
+            <a:endParaRPr lang="en-IN" sz="2400" b="1" dirty="0" smtClean="0"/>
+          </a:p>
+          <a:p>
+            <a:r>
+              <a:rPr lang="en-IN" sz="2400" b="1" dirty="0" smtClean="0"/>
+              <a:t>Problems </a:t>
+            </a:r>
+            <a:r>
+              <a:rPr lang="en-IN" sz="2400" b="1" dirty="0"/>
+              <a:t>with traditional approach</a:t>
+            </a:r>
+          </a:p>
+        </p:txBody>
+      </p:sp>
+      <p:pic>
+        <p:nvPicPr>
+          <p:cNvPr id="12" name="Picture 11"/>
+          <p:cNvPicPr>
+            <a:picLocks noChangeAspect="1"/>
+          </p:cNvPicPr>
+          <p:nvPr/>
+        </p:nvPicPr>
+        <p:blipFill>
+          <a:blip r:embed="rId5" cstate="print">
+            <a:extLst>
+              <a:ext uri="{28A0092B-C50C-407E-A947-70E740481C1C}">
+                <a14:useLocalDpi xmlns:a14="http://schemas.microsoft.com/office/drawing/2010/main" val="0"/>
+              </a:ext>
+            </a:extLst>
+          </a:blip>
+          <a:stretch>
+            <a:fillRect/>
+          </a:stretch>
+        </p:blipFill>
+        <p:spPr>
+          <a:xfrm>
             <a:off x="1097280" y="178229"/>
             <a:ext cx="685798" cy="685798"/>
           </a:xfrm>
@@ -5544,7 +5682,7 @@
     </p:spTree>
     <p:extLst>
       <p:ext uri="{BB962C8B-B14F-4D97-AF65-F5344CB8AC3E}">
-        <p14:creationId xmlns:p14="http://schemas.microsoft.com/office/powerpoint/2010/main" val="2490963820"/>
+        <p14:creationId xmlns:p14="http://schemas.microsoft.com/office/powerpoint/2010/main" val="1972387630"/>
       </p:ext>
     </p:extLst>
   </p:cSld>
@@ -5590,56 +5728,171 @@
         </p:nvSpPr>
         <p:spPr/>
         <p:txBody>
-          <a:bodyPr/>
-          <a:lstStyle/>
-          <a:p>
-            <a:r>
-              <a:rPr lang="en-US" dirty="0" smtClean="0"/>
-              <a:t>Previous case Studies case studies</a:t>
-            </a:r>
-            <a:endParaRPr lang="en-US" dirty="0"/>
-          </a:p>
-        </p:txBody>
-      </p:sp>
-      <p:sp>
-        <p:nvSpPr>
-          <p:cNvPr id="3" name="Content Placeholder 2"/>
-          <p:cNvSpPr>
-            <a:spLocks noGrp="1"/>
-          </p:cNvSpPr>
-          <p:nvPr>
-            <p:ph idx="1"/>
-          </p:nvPr>
-        </p:nvSpPr>
-        <p:spPr/>
-        <p:txBody>
           <a:bodyPr>
             <a:normAutofit/>
           </a:bodyPr>
           <a:lstStyle/>
           <a:p>
-            <a:pPr>
-              <a:buFont typeface="Wingdings" panose="05000000000000000000" pitchFamily="2" charset="2"/>
-              <a:buChar char="q"/>
+            <a:r>
+              <a:rPr lang="en-IN" dirty="0"/>
+              <a:t>Why new Concept??</a:t>
+            </a:r>
+            <a:endParaRPr lang="en-US" dirty="0"/>
+          </a:p>
+        </p:txBody>
+      </p:sp>
+      <p:sp>
+        <p:nvSpPr>
+          <p:cNvPr id="5" name="Content Placeholder 4"/>
+          <p:cNvSpPr>
+            <a:spLocks noGrp="1"/>
+          </p:cNvSpPr>
+          <p:nvPr>
+            <p:ph sz="half" idx="1"/>
+          </p:nvPr>
+        </p:nvSpPr>
+        <p:spPr>
+          <a:xfrm>
+            <a:off x="1704109" y="3013302"/>
+            <a:ext cx="9451570" cy="2855792"/>
+          </a:xfrm>
+        </p:spPr>
+        <p:txBody>
+          <a:bodyPr/>
+          <a:lstStyle/>
+          <a:p>
+            <a:pPr marL="0" indent="0">
+              <a:buNone/>
             </a:pPr>
             <a:r>
-              <a:rPr lang="en-US" sz="3600" dirty="0" smtClean="0"/>
-              <a:t>TELUS</a:t>
-            </a:r>
-            <a:endParaRPr lang="en-US" dirty="0" smtClean="0"/>
-          </a:p>
-          <a:p>
-            <a:pPr>
-              <a:buFont typeface="Wingdings" panose="05000000000000000000" pitchFamily="2" charset="2"/>
-              <a:buChar char="q"/>
+              <a:rPr lang="en-IN" b="1" dirty="0" smtClean="0"/>
+              <a:t>Modular Approach</a:t>
+            </a:r>
+            <a:r>
+              <a:rPr lang="en-IN" dirty="0" smtClean="0"/>
+              <a:t>: </a:t>
+            </a:r>
+            <a:r>
+              <a:rPr lang="en-IN" b="1" dirty="0" smtClean="0">
+                <a:solidFill>
+                  <a:srgbClr val="FFC000"/>
+                </a:solidFill>
+              </a:rPr>
+              <a:t>B</a:t>
+            </a:r>
+            <a:r>
+              <a:rPr lang="en-IN" dirty="0" smtClean="0"/>
+              <a:t>uilt to make content reusable and channel independent.</a:t>
+            </a:r>
+          </a:p>
+          <a:p>
+            <a:pPr marL="0" indent="0">
+              <a:buNone/>
             </a:pPr>
-            <a:endParaRPr lang="en-US" sz="3600" dirty="0"/>
+            <a:endParaRPr lang="en-IN" dirty="0" smtClean="0"/>
+          </a:p>
+          <a:p>
+            <a:pPr marL="0" indent="0">
+              <a:buNone/>
+            </a:pPr>
+            <a:r>
+              <a:rPr lang="en-IN" b="1" dirty="0" smtClean="0"/>
+              <a:t>Microservice</a:t>
+            </a:r>
+            <a:r>
+              <a:rPr lang="en-IN" dirty="0" smtClean="0"/>
+              <a:t>: </a:t>
+            </a:r>
+            <a:r>
+              <a:rPr lang="en-IN" b="1" dirty="0" smtClean="0">
+                <a:solidFill>
+                  <a:srgbClr val="FFC000"/>
+                </a:solidFill>
+              </a:rPr>
+              <a:t>A</a:t>
+            </a:r>
+            <a:r>
+              <a:rPr lang="en-IN" dirty="0" smtClean="0"/>
+              <a:t>PI-driven design allows powerful integrations with third parties.</a:t>
+            </a:r>
+          </a:p>
+          <a:p>
+            <a:pPr marL="0" indent="0">
+              <a:buNone/>
+            </a:pPr>
+            <a:endParaRPr lang="en-IN" dirty="0" smtClean="0"/>
+          </a:p>
+          <a:p>
+            <a:pPr marL="0" indent="0">
+              <a:buNone/>
+            </a:pPr>
+            <a:r>
+              <a:rPr lang="en-IN" b="1" dirty="0" smtClean="0"/>
+              <a:t>Cloud Service</a:t>
+            </a:r>
+            <a:r>
+              <a:rPr lang="en-IN" dirty="0" smtClean="0"/>
+              <a:t>: </a:t>
+            </a:r>
+            <a:r>
+              <a:rPr lang="en-IN" b="1" dirty="0" smtClean="0">
+                <a:solidFill>
+                  <a:srgbClr val="FFC000"/>
+                </a:solidFill>
+              </a:rPr>
+              <a:t>D</a:t>
+            </a:r>
+            <a:r>
+              <a:rPr lang="en-IN" dirty="0" smtClean="0"/>
+              <a:t>ecoupled and scalable management and delivery of content.</a:t>
+            </a:r>
+            <a:endParaRPr lang="en-IN" b="1" dirty="0" smtClean="0"/>
+          </a:p>
+        </p:txBody>
+      </p:sp>
+      <p:sp>
+        <p:nvSpPr>
+          <p:cNvPr id="11" name="Rectangle 10"/>
+          <p:cNvSpPr/>
+          <p:nvPr/>
+        </p:nvSpPr>
+        <p:spPr>
+          <a:xfrm>
+            <a:off x="1111897" y="1814422"/>
+            <a:ext cx="6276590" cy="830997"/>
+          </a:xfrm>
+          <a:prstGeom prst="rect">
+            <a:avLst/>
+          </a:prstGeom>
+        </p:spPr>
+        <p:txBody>
+          <a:bodyPr wrap="none">
+            <a:spAutoFit/>
+          </a:bodyPr>
+          <a:lstStyle/>
+          <a:p>
+            <a:endParaRPr lang="en-IN" sz="2400" b="1" dirty="0" smtClean="0"/>
+          </a:p>
+          <a:p>
+            <a:r>
+              <a:rPr lang="en-IN" sz="2400" b="1" dirty="0" smtClean="0"/>
+              <a:t>How </a:t>
+            </a:r>
+            <a:r>
+              <a:rPr lang="en-IN" sz="2400" b="1" dirty="0" err="1" smtClean="0"/>
+              <a:t>contentful</a:t>
+            </a:r>
+            <a:r>
+              <a:rPr lang="en-IN" sz="2400" b="1" dirty="0" smtClean="0"/>
+              <a:t> contribute in solving problem?</a:t>
+            </a:r>
+            <a:endParaRPr lang="en-IN" sz="2400" b="1" dirty="0"/>
           </a:p>
         </p:txBody>
       </p:sp>
       <p:pic>
         <p:nvPicPr>
-          <p:cNvPr id="5" name="Picture 4"/>
+          <p:cNvPr id="12" name="Picture 11"/>
           <p:cNvPicPr>
             <a:picLocks noChangeAspect="1"/>
           </p:cNvPicPr>
@@ -5667,117 +5920,16 @@
           </a:prstGeom>
         </p:spPr>
       </p:pic>
-    </p:spTree>
-    <p:extLst>
-      <p:ext uri="{BB962C8B-B14F-4D97-AF65-F5344CB8AC3E}">
-        <p14:creationId xmlns:p14="http://schemas.microsoft.com/office/powerpoint/2010/main" val="1837781731"/>
-      </p:ext>
-    </p:extLst>
-  </p:cSld>
-  <p:clrMapOvr>
-    <a:masterClrMapping/>
-  </p:clrMapOvr>
-  <p:timing>
-    <p:tnLst>
-      <p:par>
-        <p:cTn id="1" dur="indefinite" restart="never" nodeType="tmRoot"/>
-      </p:par>
-    </p:tnLst>
-  </p:timing>
-</p:sld>
-</file>
-
-<file path=ppt/slides/slide8.xml><?xml version="1.0" encoding="utf-8"?>
-<p:sld xmlns:a="http://schemas.openxmlformats.org/drawingml/2006/main" xmlns:r="http://schemas.openxmlformats.org/officeDocument/2006/relationships" xmlns:p="http://schemas.openxmlformats.org/presentationml/2006/main">
-  <p:cSld>
-    <p:spTree>
-      <p:nvGrpSpPr>
-        <p:cNvPr id="1" name=""/>
-        <p:cNvGrpSpPr/>
-        <p:nvPr/>
-      </p:nvGrpSpPr>
-      <p:grpSpPr>
-        <a:xfrm>
-          <a:off x="0" y="0"/>
-          <a:ext cx="0" cy="0"/>
-          <a:chOff x="0" y="0"/>
-          <a:chExt cx="0" cy="0"/>
-        </a:xfrm>
-      </p:grpSpPr>
-      <p:sp>
-        <p:nvSpPr>
-          <p:cNvPr id="2" name="Title 1"/>
-          <p:cNvSpPr>
-            <a:spLocks noGrp="1"/>
-          </p:cNvSpPr>
-          <p:nvPr>
-            <p:ph type="title"/>
-          </p:nvPr>
-        </p:nvSpPr>
-        <p:spPr/>
-        <p:txBody>
-          <a:bodyPr/>
-          <a:lstStyle/>
-          <a:p>
-            <a:r>
-              <a:rPr lang="en-US" dirty="0"/>
-              <a:t>S</a:t>
-            </a:r>
-            <a:r>
-              <a:rPr lang="en-US" dirty="0" smtClean="0"/>
-              <a:t>ales</a:t>
-            </a:r>
-            <a:r>
-              <a:rPr lang="en-US" dirty="0"/>
-              <a:t> </a:t>
-            </a:r>
-            <a:r>
-              <a:rPr lang="en-US" b="1" dirty="0" smtClean="0"/>
-              <a:t>pitch points </a:t>
-            </a:r>
-            <a:r>
-              <a:rPr lang="en-US" dirty="0" smtClean="0"/>
-              <a:t>for contentful</a:t>
-            </a:r>
-            <a:endParaRPr lang="en-US" dirty="0"/>
-          </a:p>
-        </p:txBody>
-      </p:sp>
-      <p:sp>
-        <p:nvSpPr>
-          <p:cNvPr id="3" name="Content Placeholder 2"/>
-          <p:cNvSpPr>
-            <a:spLocks noGrp="1"/>
-          </p:cNvSpPr>
-          <p:nvPr>
-            <p:ph idx="1"/>
-          </p:nvPr>
-        </p:nvSpPr>
-        <p:spPr/>
-        <p:txBody>
-          <a:bodyPr>
-            <a:normAutofit/>
-          </a:bodyPr>
-          <a:lstStyle/>
-          <a:p>
-            <a:pPr>
-              <a:buFont typeface="Wingdings" panose="05000000000000000000" pitchFamily="2" charset="2"/>
-              <a:buChar char="q"/>
-            </a:pPr>
-            <a:endParaRPr lang="en-US" sz="3600" dirty="0"/>
-          </a:p>
-        </p:txBody>
-      </p:sp>
       <p:pic>
         <p:nvPicPr>
-          <p:cNvPr id="4" name="Picture 3"/>
+          <p:cNvPr id="13" name="Picture 12"/>
           <p:cNvPicPr>
             <a:picLocks noChangeAspect="1"/>
           </p:cNvPicPr>
           <p:nvPr/>
         </p:nvPicPr>
         <p:blipFill>
-          <a:blip r:embed="rId2" cstate="print">
+          <a:blip r:embed="rId3">
             <a:extLst>
               <a:ext uri="{28A0092B-C50C-407E-A947-70E740481C1C}">
                 <a14:useLocalDpi xmlns:a14="http://schemas.microsoft.com/office/drawing/2010/main" val="0"/>
@@ -5790,8 +5942,67 @@
         </p:blipFill>
         <p:spPr>
           <a:xfrm>
-            <a:off x="613064" y="179350"/>
-            <a:ext cx="685798" cy="685798"/>
+            <a:off x="996456" y="2904950"/>
+            <a:ext cx="544512" cy="544512"/>
+          </a:xfrm>
+          <a:prstGeom prst="rect">
+            <a:avLst/>
+          </a:prstGeom>
+        </p:spPr>
+      </p:pic>
+      <p:pic>
+        <p:nvPicPr>
+          <p:cNvPr id="15" name="Content Placeholder 14"/>
+          <p:cNvPicPr>
+            <a:picLocks noGrp="1" noChangeAspect="1"/>
+          </p:cNvPicPr>
+          <p:nvPr>
+            <p:ph sz="half" idx="2"/>
+          </p:nvPr>
+        </p:nvPicPr>
+        <p:blipFill>
+          <a:blip r:embed="rId4">
+            <a:extLst>
+              <a:ext uri="{28A0092B-C50C-407E-A947-70E740481C1C}">
+                <a14:useLocalDpi xmlns:a14="http://schemas.microsoft.com/office/drawing/2010/main" val="0"/>
+              </a:ext>
+            </a:extLst>
+          </a:blip>
+          <a:stretch>
+            <a:fillRect/>
+          </a:stretch>
+        </p:blipFill>
+        <p:spPr>
+          <a:xfrm>
+            <a:off x="996456" y="3788674"/>
+            <a:ext cx="544512" cy="544512"/>
+          </a:xfrm>
+        </p:spPr>
+      </p:pic>
+      <p:pic>
+        <p:nvPicPr>
+          <p:cNvPr id="16" name="Picture 15"/>
+          <p:cNvPicPr>
+            <a:picLocks noChangeAspect="1"/>
+          </p:cNvPicPr>
+          <p:nvPr/>
+        </p:nvPicPr>
+        <p:blipFill>
+          <a:blip r:embed="rId5">
+            <a:extLst>
+              <a:ext uri="{28A0092B-C50C-407E-A947-70E740481C1C}">
+                <a14:useLocalDpi xmlns:a14="http://schemas.microsoft.com/office/drawing/2010/main" val="0"/>
+              </a:ext>
+            </a:extLst>
+          </a:blip>
+          <a:stretch>
+            <a:fillRect/>
+          </a:stretch>
+        </p:blipFill>
+        <p:spPr>
+          <a:xfrm>
+            <a:off x="984329" y="4651616"/>
+            <a:ext cx="565162" cy="565162"/>
           </a:xfrm>
           <a:prstGeom prst="rect">
             <a:avLst/>
@@ -5801,7 +6012,7 @@
     </p:spTree>
     <p:extLst>
       <p:ext uri="{BB962C8B-B14F-4D97-AF65-F5344CB8AC3E}">
-        <p14:creationId xmlns:p14="http://schemas.microsoft.com/office/powerpoint/2010/main" val="3638232212"/>
+        <p14:creationId xmlns:p14="http://schemas.microsoft.com/office/powerpoint/2010/main" val="1027493246"/>
       </p:ext>
     </p:extLst>
   </p:cSld>

--- a/Contentful-queries.pptx
+++ b/Contentful-queries.pptx
@@ -5,7 +5,7 @@
     <p:sldMasterId id="2147483801" r:id="rId1"/>
   </p:sldMasterIdLst>
   <p:notesMasterIdLst>
-    <p:notesMasterId r:id="rId9"/>
+    <p:notesMasterId r:id="rId10"/>
   </p:notesMasterIdLst>
   <p:sldIdLst>
     <p:sldId id="256" r:id="rId2"/>
@@ -15,6 +15,7 @@
     <p:sldId id="266" r:id="rId6"/>
     <p:sldId id="263" r:id="rId7"/>
     <p:sldId id="262" r:id="rId8"/>
+    <p:sldId id="267" r:id="rId9"/>
   </p:sldIdLst>
   <p:sldSz cx="12192000" cy="6858000"/>
   <p:notesSz cx="6858000" cy="9144000"/>
@@ -125,6 +126,7 @@
             <p14:sldId id="266"/>
             <p14:sldId id="263"/>
             <p14:sldId id="262"/>
+            <p14:sldId id="267"/>
           </p14:sldIdLst>
         </p14:section>
       </p14:sectionLst>
@@ -218,7 +220,7 @@
           <a:p>
             <a:fld id="{43104C62-8874-41BB-B103-92CEBC26C6BB}" type="datetimeFigureOut">
               <a:rPr lang="en-US" smtClean="0"/>
-              <a:t>7/25/2019</a:t>
+              <a:t>7/26/2019</a:t>
             </a:fld>
             <a:endParaRPr lang="en-US"/>
           </a:p>
@@ -796,7 +798,7 @@
           <a:p>
             <a:fld id="{7CDF6AF8-9CED-42D2-8B8E-CA86BE815487}" type="datetime1">
               <a:rPr lang="en-US" smtClean="0"/>
-              <a:t>7/25/2019</a:t>
+              <a:t>7/26/2019</a:t>
             </a:fld>
             <a:endParaRPr lang="en-US"/>
           </a:p>
@@ -1004,7 +1006,7 @@
           <a:p>
             <a:fld id="{6636F1F3-54D8-4A8B-A5B6-2DBB54919931}" type="datetime1">
               <a:rPr lang="en-US" smtClean="0"/>
-              <a:t>7/25/2019</a:t>
+              <a:t>7/26/2019</a:t>
             </a:fld>
             <a:endParaRPr lang="en-US"/>
           </a:p>
@@ -1260,7 +1262,7 @@
           <a:p>
             <a:fld id="{14979FF9-1C45-42E2-BA7E-37B2F0AFC1FA}" type="datetime1">
               <a:rPr lang="en-US" smtClean="0"/>
-              <a:t>7/25/2019</a:t>
+              <a:t>7/26/2019</a:t>
             </a:fld>
             <a:endParaRPr lang="en-US"/>
           </a:p>
@@ -1434,7 +1436,7 @@
           <a:p>
             <a:fld id="{894B9E61-C565-4D23-955E-2FDE61D6DB29}" type="datetime1">
               <a:rPr lang="en-US" smtClean="0"/>
-              <a:t>7/25/2019</a:t>
+              <a:t>7/26/2019</a:t>
             </a:fld>
             <a:endParaRPr lang="en-US"/>
           </a:p>
@@ -1777,7 +1779,7 @@
           <a:p>
             <a:fld id="{BB0121D6-3734-4D92-B886-6DC6B587DDC1}" type="datetime1">
               <a:rPr lang="en-US" smtClean="0"/>
-              <a:t>7/25/2019</a:t>
+              <a:t>7/26/2019</a:t>
             </a:fld>
             <a:endParaRPr lang="en-US"/>
           </a:p>
@@ -2052,7 +2054,7 @@
           <a:p>
             <a:fld id="{C9FAFE9C-13F8-431E-9355-5D4874E6A0C4}" type="datetime1">
               <a:rPr lang="en-US" smtClean="0"/>
-              <a:t>7/25/2019</a:t>
+              <a:t>7/26/2019</a:t>
             </a:fld>
             <a:endParaRPr lang="en-US"/>
           </a:p>
@@ -2431,7 +2433,7 @@
           <a:p>
             <a:fld id="{7EE922D3-581C-44E5-8775-4E69C096B279}" type="datetime1">
               <a:rPr lang="en-US" smtClean="0"/>
-              <a:t>7/25/2019</a:t>
+              <a:t>7/26/2019</a:t>
             </a:fld>
             <a:endParaRPr lang="en-US"/>
           </a:p>
@@ -2549,7 +2551,7 @@
           <a:p>
             <a:fld id="{4A9BCFB2-4B90-404C-933D-993EFA9D5690}" type="datetime1">
               <a:rPr lang="en-US" smtClean="0"/>
-              <a:t>7/25/2019</a:t>
+              <a:t>7/26/2019</a:t>
             </a:fld>
             <a:endParaRPr lang="en-US"/>
           </a:p>
@@ -2720,7 +2722,7 @@
           <a:p>
             <a:fld id="{9D565834-C236-498B-80D8-554A72C2E297}" type="datetime1">
               <a:rPr lang="en-US" smtClean="0"/>
-              <a:t>7/25/2019</a:t>
+              <a:t>7/26/2019</a:t>
             </a:fld>
             <a:endParaRPr lang="en-US"/>
           </a:p>
@@ -3074,7 +3076,7 @@
           <a:p>
             <a:fld id="{FCEE4A44-8AC1-4A94-B2B6-55A2B0465259}" type="datetime1">
               <a:rPr lang="en-US" smtClean="0"/>
-              <a:t>7/25/2019</a:t>
+              <a:t>7/26/2019</a:t>
             </a:fld>
             <a:endParaRPr lang="en-US"/>
           </a:p>
@@ -3456,7 +3458,7 @@
           <a:p>
             <a:fld id="{91ACBB30-7615-4E8D-8AFD-E88382ED7BB6}" type="datetime1">
               <a:rPr lang="en-US" smtClean="0"/>
-              <a:t>7/25/2019</a:t>
+              <a:t>7/26/2019</a:t>
             </a:fld>
             <a:endParaRPr lang="en-US"/>
           </a:p>
@@ -3743,7 +3745,7 @@
           <a:p>
             <a:fld id="{50DFA029-DBDA-48FC-AA96-E6230F4F15EB}" type="datetime1">
               <a:rPr lang="en-US" smtClean="0"/>
-              <a:t>7/25/2019</a:t>
+              <a:t>7/26/2019</a:t>
             </a:fld>
             <a:endParaRPr lang="en-US"/>
           </a:p>
@@ -4293,11 +4295,7 @@
           <a:p>
             <a:r>
               <a:rPr lang="en-US" dirty="0" smtClean="0"/>
-              <a:t>C</a:t>
-            </a:r>
-            <a:r>
-              <a:rPr lang="en-US" dirty="0" smtClean="0"/>
-              <a:t>ontentful</a:t>
+              <a:t>Contentful</a:t>
             </a:r>
             <a:endParaRPr lang="en-US" dirty="0"/>
           </a:p>
@@ -4454,8 +4452,13 @@
             </a:pPr>
             <a:r>
               <a:rPr lang="en-US" dirty="0" smtClean="0"/>
-              <a:t>Why this new Concept?</a:t>
-            </a:r>
+              <a:t>Why </a:t>
+            </a:r>
+            <a:r>
+              <a:rPr lang="en-US" dirty="0" smtClean="0"/>
+              <a:t>Headless?</a:t>
+            </a:r>
+            <a:endParaRPr lang="en-US" dirty="0" smtClean="0"/>
           </a:p>
           <a:p>
             <a:pPr marL="0" indent="0">
@@ -5403,8 +5406,12 @@
           <a:lstStyle/>
           <a:p>
             <a:r>
-              <a:rPr lang="en-IN" dirty="0"/>
-              <a:t>Why new Concept??</a:t>
+              <a:rPr lang="en-US" dirty="0"/>
+              <a:t>Why </a:t>
+            </a:r>
+            <a:r>
+              <a:rPr lang="en-US" dirty="0" smtClean="0"/>
+              <a:t>Headless?</a:t>
             </a:r>
             <a:endParaRPr lang="en-US" sz="3600" dirty="0"/>
           </a:p>
@@ -5623,7 +5630,7 @@
         <p:spPr>
           <a:xfrm>
             <a:off x="1111897" y="1814422"/>
-            <a:ext cx="4713278" cy="830997"/>
+            <a:ext cx="6548716" cy="830997"/>
           </a:xfrm>
           <a:prstGeom prst="rect">
             <a:avLst/>
@@ -5644,7 +5651,27 @@
             </a:r>
             <a:r>
               <a:rPr lang="en-IN" sz="2400" b="1" dirty="0"/>
-              <a:t>with traditional approach</a:t>
+              <a:t>with </a:t>
+            </a:r>
+            <a:r>
+              <a:rPr lang="en-IN" sz="2400" b="1" dirty="0" smtClean="0"/>
+              <a:t>traditional/</a:t>
+            </a:r>
+            <a:r>
+              <a:rPr lang="en-US" sz="2400" b="1" dirty="0" smtClean="0"/>
+              <a:t>Coupled </a:t>
+            </a:r>
+            <a:r>
+              <a:rPr lang="en-US" sz="2400" b="1" dirty="0"/>
+              <a:t>CMS</a:t>
+            </a:r>
+            <a:r>
+              <a:rPr lang="en-IN" sz="2400" b="1" dirty="0" smtClean="0"/>
+              <a:t> </a:t>
+            </a:r>
+            <a:r>
+              <a:rPr lang="en-IN" sz="2400" b="1" dirty="0"/>
+              <a:t>approach</a:t>
             </a:r>
           </a:p>
         </p:txBody>
@@ -5734,8 +5761,8 @@
           <a:lstStyle/>
           <a:p>
             <a:r>
-              <a:rPr lang="en-IN" dirty="0"/>
-              <a:t>Why new Concept??</a:t>
+              <a:rPr lang="en-US" dirty="0"/>
+              <a:t>Why Headless?</a:t>
             </a:r>
             <a:endParaRPr lang="en-US" dirty="0"/>
           </a:p>
@@ -5859,7 +5886,7 @@
         <p:spPr>
           <a:xfrm>
             <a:off x="1111897" y="1814422"/>
-            <a:ext cx="6276590" cy="830997"/>
+            <a:ext cx="4482766" cy="830997"/>
           </a:xfrm>
           <a:prstGeom prst="rect">
             <a:avLst/>
@@ -5879,12 +5906,12 @@
               <a:t>How </a:t>
             </a:r>
             <a:r>
-              <a:rPr lang="en-IN" sz="2400" b="1" dirty="0" err="1" smtClean="0"/>
-              <a:t>contentful</a:t>
-            </a:r>
-            <a:r>
               <a:rPr lang="en-IN" sz="2400" b="1" dirty="0" smtClean="0"/>
-              <a:t> contribute in solving problem?</a:t>
+              <a:t>headless is solving </a:t>
+            </a:r>
+            <a:r>
+              <a:rPr lang="en-IN" sz="2400" b="1" dirty="0" smtClean="0"/>
+              <a:t>problem?</a:t>
             </a:r>
             <a:endParaRPr lang="en-IN" sz="2400" b="1" dirty="0"/>
           </a:p>
@@ -5929,7 +5956,7 @@
           <p:nvPr/>
         </p:nvPicPr>
         <p:blipFill>
-          <a:blip r:embed="rId3">
+          <a:blip r:embed="rId3" cstate="print">
             <a:extLst>
               <a:ext uri="{28A0092B-C50C-407E-A947-70E740481C1C}">
                 <a14:useLocalDpi xmlns:a14="http://schemas.microsoft.com/office/drawing/2010/main" val="0"/>
@@ -5961,7 +5988,7 @@
           </p:nvPr>
         </p:nvPicPr>
         <p:blipFill>
-          <a:blip r:embed="rId4">
+          <a:blip r:embed="rId4" cstate="print">
             <a:extLst>
               <a:ext uri="{28A0092B-C50C-407E-A947-70E740481C1C}">
                 <a14:useLocalDpi xmlns:a14="http://schemas.microsoft.com/office/drawing/2010/main" val="0"/>
@@ -6013,6 +6040,294 @@
     <p:extLst>
       <p:ext uri="{BB962C8B-B14F-4D97-AF65-F5344CB8AC3E}">
         <p14:creationId xmlns:p14="http://schemas.microsoft.com/office/powerpoint/2010/main" val="1027493246"/>
+      </p:ext>
+    </p:extLst>
+  </p:cSld>
+  <p:clrMapOvr>
+    <a:masterClrMapping/>
+  </p:clrMapOvr>
+  <p:timing>
+    <p:tnLst>
+      <p:par>
+        <p:cTn id="1" dur="indefinite" restart="never" nodeType="tmRoot"/>
+      </p:par>
+    </p:tnLst>
+  </p:timing>
+</p:sld>
+</file>
+
+<file path=ppt/slides/slide8.xml><?xml version="1.0" encoding="utf-8"?>
+<p:sld xmlns:a="http://schemas.openxmlformats.org/drawingml/2006/main" xmlns:r="http://schemas.openxmlformats.org/officeDocument/2006/relationships" xmlns:p="http://schemas.openxmlformats.org/presentationml/2006/main">
+  <p:cSld>
+    <p:spTree>
+      <p:nvGrpSpPr>
+        <p:cNvPr id="1" name=""/>
+        <p:cNvGrpSpPr/>
+        <p:nvPr/>
+      </p:nvGrpSpPr>
+      <p:grpSpPr>
+        <a:xfrm>
+          <a:off x="0" y="0"/>
+          <a:ext cx="0" cy="0"/>
+          <a:chOff x="0" y="0"/>
+          <a:chExt cx="0" cy="0"/>
+        </a:xfrm>
+      </p:grpSpPr>
+      <p:sp>
+        <p:nvSpPr>
+          <p:cNvPr id="2" name="Title 1"/>
+          <p:cNvSpPr>
+            <a:spLocks noGrp="1"/>
+          </p:cNvSpPr>
+          <p:nvPr>
+            <p:ph type="title"/>
+          </p:nvPr>
+        </p:nvSpPr>
+        <p:spPr/>
+        <p:txBody>
+          <a:bodyPr>
+            <a:normAutofit/>
+          </a:bodyPr>
+          <a:lstStyle/>
+          <a:p>
+            <a:r>
+              <a:rPr lang="en-IN" dirty="0" smtClean="0"/>
+              <a:t>Exciting Features of Headless</a:t>
+            </a:r>
+            <a:endParaRPr lang="en-US" dirty="0"/>
+          </a:p>
+        </p:txBody>
+      </p:sp>
+      <p:sp>
+        <p:nvSpPr>
+          <p:cNvPr id="5" name="Content Placeholder 4"/>
+          <p:cNvSpPr>
+            <a:spLocks noGrp="1"/>
+          </p:cNvSpPr>
+          <p:nvPr>
+            <p:ph sz="half" idx="1"/>
+          </p:nvPr>
+        </p:nvSpPr>
+        <p:spPr>
+          <a:xfrm>
+            <a:off x="1226127" y="3013301"/>
+            <a:ext cx="4821382" cy="2867953"/>
+          </a:xfrm>
+        </p:spPr>
+        <p:txBody>
+          <a:bodyPr>
+            <a:noAutofit/>
+          </a:bodyPr>
+          <a:lstStyle/>
+          <a:p>
+            <a:pPr marL="0" indent="0">
+              <a:buNone/>
+            </a:pPr>
+            <a:r>
+              <a:rPr lang="en-IN" sz="1900" b="1" dirty="0" smtClean="0"/>
+              <a:t>Architectural Approach</a:t>
+            </a:r>
+            <a:r>
+              <a:rPr lang="en-IN" sz="1900" dirty="0" smtClean="0"/>
+              <a:t>: </a:t>
+            </a:r>
+            <a:r>
+              <a:rPr lang="en-US" sz="1800" b="1" dirty="0" smtClean="0">
+                <a:solidFill>
+                  <a:srgbClr val="FFC000"/>
+                </a:solidFill>
+              </a:rPr>
+              <a:t>C</a:t>
+            </a:r>
+            <a:r>
+              <a:rPr lang="en-US" sz="1800" dirty="0" smtClean="0"/>
+              <a:t>ontent-only </a:t>
+            </a:r>
+            <a:r>
+              <a:rPr lang="en-US" sz="1800" dirty="0"/>
+              <a:t>data source and has no functionality within the CMS to present content to an end user on it’s own</a:t>
+            </a:r>
+            <a:r>
+              <a:rPr lang="en-IN" sz="1900" dirty="0" smtClean="0"/>
+              <a:t>.</a:t>
+            </a:r>
+          </a:p>
+          <a:p>
+            <a:pPr marL="0" indent="0">
+              <a:buNone/>
+            </a:pPr>
+            <a:r>
+              <a:rPr lang="en-IN" sz="1900" b="1" dirty="0" smtClean="0"/>
+              <a:t>Storage</a:t>
+            </a:r>
+            <a:r>
+              <a:rPr lang="en-IN" sz="1900" dirty="0" smtClean="0"/>
+              <a:t>: </a:t>
+            </a:r>
+            <a:r>
+              <a:rPr lang="en-US" sz="1800" b="1" dirty="0" smtClean="0">
+                <a:solidFill>
+                  <a:srgbClr val="FFC000"/>
+                </a:solidFill>
+              </a:rPr>
+              <a:t>C</a:t>
+            </a:r>
+            <a:r>
+              <a:rPr lang="en-US" sz="1800" dirty="0" smtClean="0"/>
+              <a:t>loud storage where the </a:t>
+            </a:r>
+            <a:r>
+              <a:rPr lang="en-US" sz="1900" dirty="0" smtClean="0"/>
+              <a:t>content </a:t>
+            </a:r>
+            <a:r>
+              <a:rPr lang="en-US" sz="1900" dirty="0"/>
+              <a:t>is created, managed, and stored—along with all digital </a:t>
+            </a:r>
+            <a:r>
+              <a:rPr lang="en-US" sz="1900" dirty="0" smtClean="0"/>
+              <a:t>assets only without frontend code</a:t>
+            </a:r>
+            <a:r>
+              <a:rPr lang="en-IN" sz="1900" dirty="0" smtClean="0"/>
+              <a:t>.</a:t>
+            </a:r>
+          </a:p>
+          <a:p>
+            <a:pPr marL="0" indent="0">
+              <a:buNone/>
+            </a:pPr>
+            <a:r>
+              <a:rPr lang="en-IN" sz="1900" b="1" dirty="0" smtClean="0"/>
+              <a:t>Editor platform</a:t>
+            </a:r>
+            <a:r>
+              <a:rPr lang="en-IN" sz="1900" dirty="0" smtClean="0"/>
+              <a:t>: </a:t>
+            </a:r>
+            <a:r>
+              <a:rPr lang="en-US" sz="1900" b="1" dirty="0">
+                <a:solidFill>
+                  <a:srgbClr val="FFC000"/>
+                </a:solidFill>
+              </a:rPr>
+              <a:t>Y</a:t>
+            </a:r>
+            <a:r>
+              <a:rPr lang="en-US" sz="1900" dirty="0"/>
+              <a:t>our editors are writing and publishing on the back end of the same </a:t>
+            </a:r>
+            <a:r>
+              <a:rPr lang="en-US" sz="1900" dirty="0" smtClean="0"/>
+              <a:t>different ecosystem.</a:t>
+            </a:r>
+            <a:endParaRPr lang="en-IN" sz="1900" b="1" dirty="0"/>
+          </a:p>
+        </p:txBody>
+      </p:sp>
+      <p:sp>
+        <p:nvSpPr>
+          <p:cNvPr id="11" name="Rectangle 10"/>
+          <p:cNvSpPr/>
+          <p:nvPr/>
+        </p:nvSpPr>
+        <p:spPr>
+          <a:xfrm>
+            <a:off x="1111897" y="1814422"/>
+            <a:ext cx="3625929" cy="830997"/>
+          </a:xfrm>
+          <a:prstGeom prst="rect">
+            <a:avLst/>
+          </a:prstGeom>
+        </p:spPr>
+        <p:txBody>
+          <a:bodyPr wrap="none">
+            <a:spAutoFit/>
+          </a:bodyPr>
+          <a:lstStyle/>
+          <a:p>
+            <a:endParaRPr lang="en-IN" sz="2400" b="1" dirty="0" smtClean="0"/>
+          </a:p>
+          <a:p>
+            <a:r>
+              <a:rPr lang="en-US" sz="2400" b="1" dirty="0" smtClean="0"/>
+              <a:t>Headless </a:t>
+            </a:r>
+            <a:r>
+              <a:rPr lang="en-US" sz="2400" b="1" dirty="0"/>
+              <a:t>CMS </a:t>
+            </a:r>
+            <a:r>
+              <a:rPr lang="en-US" sz="2400" b="1" dirty="0" smtClean="0"/>
+              <a:t>Architecture</a:t>
+            </a:r>
+            <a:endParaRPr lang="en-US" sz="2400" b="1" dirty="0"/>
+          </a:p>
+        </p:txBody>
+      </p:sp>
+      <p:pic>
+        <p:nvPicPr>
+          <p:cNvPr id="12" name="Picture 11"/>
+          <p:cNvPicPr>
+            <a:picLocks noChangeAspect="1"/>
+          </p:cNvPicPr>
+          <p:nvPr/>
+        </p:nvPicPr>
+        <p:blipFill>
+          <a:blip r:embed="rId2" cstate="print">
+            <a:extLst>
+              <a:ext uri="{28A0092B-C50C-407E-A947-70E740481C1C}">
+                <a14:useLocalDpi xmlns:a14="http://schemas.microsoft.com/office/drawing/2010/main" val="0"/>
+              </a:ext>
+            </a:extLst>
+          </a:blip>
+          <a:stretch>
+            <a:fillRect/>
+          </a:stretch>
+        </p:blipFill>
+        <p:spPr>
+          <a:xfrm>
+            <a:off x="1097280" y="178229"/>
+            <a:ext cx="685798" cy="685798"/>
+          </a:xfrm>
+          <a:prstGeom prst="rect">
+            <a:avLst/>
+          </a:prstGeom>
+        </p:spPr>
+      </p:pic>
+      <p:pic>
+        <p:nvPicPr>
+          <p:cNvPr id="4" name="Content Placeholder 3"/>
+          <p:cNvPicPr>
+            <a:picLocks noGrp="1" noChangeAspect="1"/>
+          </p:cNvPicPr>
+          <p:nvPr>
+            <p:ph sz="half" idx="2"/>
+          </p:nvPr>
+        </p:nvPicPr>
+        <p:blipFill>
+          <a:blip r:embed="rId3">
+            <a:extLst>
+              <a:ext uri="{28A0092B-C50C-407E-A947-70E740481C1C}">
+                <a14:useLocalDpi xmlns:a14="http://schemas.microsoft.com/office/drawing/2010/main" val="0"/>
+              </a:ext>
+            </a:extLst>
+          </a:blip>
+          <a:stretch>
+            <a:fillRect/>
+          </a:stretch>
+        </p:blipFill>
+        <p:spPr>
+          <a:xfrm>
+            <a:off x="6218238" y="2623344"/>
+            <a:ext cx="4937125" cy="2468562"/>
+          </a:xfrm>
+        </p:spPr>
+      </p:pic>
+    </p:spTree>
+    <p:extLst>
+      <p:ext uri="{BB962C8B-B14F-4D97-AF65-F5344CB8AC3E}">
+        <p14:creationId xmlns:p14="http://schemas.microsoft.com/office/powerpoint/2010/main" val="187572026"/>
       </p:ext>
     </p:extLst>
   </p:cSld>

--- a/Contentful-queries.pptx
+++ b/Contentful-queries.pptx
@@ -5,7 +5,7 @@
     <p:sldMasterId id="2147483801" r:id="rId1"/>
   </p:sldMasterIdLst>
   <p:notesMasterIdLst>
-    <p:notesMasterId r:id="rId10"/>
+    <p:notesMasterId r:id="rId20"/>
   </p:notesMasterIdLst>
   <p:sldIdLst>
     <p:sldId id="256" r:id="rId2"/>
@@ -16,6 +16,16 @@
     <p:sldId id="263" r:id="rId7"/>
     <p:sldId id="262" r:id="rId8"/>
     <p:sldId id="267" r:id="rId9"/>
+    <p:sldId id="269" r:id="rId10"/>
+    <p:sldId id="270" r:id="rId11"/>
+    <p:sldId id="271" r:id="rId12"/>
+    <p:sldId id="272" r:id="rId13"/>
+    <p:sldId id="273" r:id="rId14"/>
+    <p:sldId id="274" r:id="rId15"/>
+    <p:sldId id="275" r:id="rId16"/>
+    <p:sldId id="276" r:id="rId17"/>
+    <p:sldId id="277" r:id="rId18"/>
+    <p:sldId id="278" r:id="rId19"/>
   </p:sldIdLst>
   <p:sldSz cx="12192000" cy="6858000"/>
   <p:notesSz cx="6858000" cy="9144000"/>
@@ -127,6 +137,16 @@
             <p14:sldId id="263"/>
             <p14:sldId id="262"/>
             <p14:sldId id="267"/>
+            <p14:sldId id="269"/>
+            <p14:sldId id="270"/>
+            <p14:sldId id="271"/>
+            <p14:sldId id="272"/>
+            <p14:sldId id="273"/>
+            <p14:sldId id="274"/>
+            <p14:sldId id="275"/>
+            <p14:sldId id="276"/>
+            <p14:sldId id="277"/>
+            <p14:sldId id="278"/>
           </p14:sldIdLst>
         </p14:section>
       </p14:sectionLst>
@@ -220,7 +240,7 @@
           <a:p>
             <a:fld id="{43104C62-8874-41BB-B103-92CEBC26C6BB}" type="datetimeFigureOut">
               <a:rPr lang="en-US" smtClean="0"/>
-              <a:t>7/26/2019</a:t>
+              <a:t>7/30/2019</a:t>
             </a:fld>
             <a:endParaRPr lang="en-US"/>
           </a:p>
@@ -798,7 +818,7 @@
           <a:p>
             <a:fld id="{7CDF6AF8-9CED-42D2-8B8E-CA86BE815487}" type="datetime1">
               <a:rPr lang="en-US" smtClean="0"/>
-              <a:t>7/26/2019</a:t>
+              <a:t>7/30/2019</a:t>
             </a:fld>
             <a:endParaRPr lang="en-US"/>
           </a:p>
@@ -1006,7 +1026,7 @@
           <a:p>
             <a:fld id="{6636F1F3-54D8-4A8B-A5B6-2DBB54919931}" type="datetime1">
               <a:rPr lang="en-US" smtClean="0"/>
-              <a:t>7/26/2019</a:t>
+              <a:t>7/30/2019</a:t>
             </a:fld>
             <a:endParaRPr lang="en-US"/>
           </a:p>
@@ -1262,7 +1282,7 @@
           <a:p>
             <a:fld id="{14979FF9-1C45-42E2-BA7E-37B2F0AFC1FA}" type="datetime1">
               <a:rPr lang="en-US" smtClean="0"/>
-              <a:t>7/26/2019</a:t>
+              <a:t>7/30/2019</a:t>
             </a:fld>
             <a:endParaRPr lang="en-US"/>
           </a:p>
@@ -1436,7 +1456,7 @@
           <a:p>
             <a:fld id="{894B9E61-C565-4D23-955E-2FDE61D6DB29}" type="datetime1">
               <a:rPr lang="en-US" smtClean="0"/>
-              <a:t>7/26/2019</a:t>
+              <a:t>7/30/2019</a:t>
             </a:fld>
             <a:endParaRPr lang="en-US"/>
           </a:p>
@@ -1779,7 +1799,7 @@
           <a:p>
             <a:fld id="{BB0121D6-3734-4D92-B886-6DC6B587DDC1}" type="datetime1">
               <a:rPr lang="en-US" smtClean="0"/>
-              <a:t>7/26/2019</a:t>
+              <a:t>7/30/2019</a:t>
             </a:fld>
             <a:endParaRPr lang="en-US"/>
           </a:p>
@@ -2054,7 +2074,7 @@
           <a:p>
             <a:fld id="{C9FAFE9C-13F8-431E-9355-5D4874E6A0C4}" type="datetime1">
               <a:rPr lang="en-US" smtClean="0"/>
-              <a:t>7/26/2019</a:t>
+              <a:t>7/30/2019</a:t>
             </a:fld>
             <a:endParaRPr lang="en-US"/>
           </a:p>
@@ -2433,7 +2453,7 @@
           <a:p>
             <a:fld id="{7EE922D3-581C-44E5-8775-4E69C096B279}" type="datetime1">
               <a:rPr lang="en-US" smtClean="0"/>
-              <a:t>7/26/2019</a:t>
+              <a:t>7/30/2019</a:t>
             </a:fld>
             <a:endParaRPr lang="en-US"/>
           </a:p>
@@ -2551,7 +2571,7 @@
           <a:p>
             <a:fld id="{4A9BCFB2-4B90-404C-933D-993EFA9D5690}" type="datetime1">
               <a:rPr lang="en-US" smtClean="0"/>
-              <a:t>7/26/2019</a:t>
+              <a:t>7/30/2019</a:t>
             </a:fld>
             <a:endParaRPr lang="en-US"/>
           </a:p>
@@ -2722,7 +2742,7 @@
           <a:p>
             <a:fld id="{9D565834-C236-498B-80D8-554A72C2E297}" type="datetime1">
               <a:rPr lang="en-US" smtClean="0"/>
-              <a:t>7/26/2019</a:t>
+              <a:t>7/30/2019</a:t>
             </a:fld>
             <a:endParaRPr lang="en-US"/>
           </a:p>
@@ -3076,7 +3096,7 @@
           <a:p>
             <a:fld id="{FCEE4A44-8AC1-4A94-B2B6-55A2B0465259}" type="datetime1">
               <a:rPr lang="en-US" smtClean="0"/>
-              <a:t>7/26/2019</a:t>
+              <a:t>7/30/2019</a:t>
             </a:fld>
             <a:endParaRPr lang="en-US"/>
           </a:p>
@@ -3458,7 +3478,7 @@
           <a:p>
             <a:fld id="{91ACBB30-7615-4E8D-8AFD-E88382ED7BB6}" type="datetime1">
               <a:rPr lang="en-US" smtClean="0"/>
-              <a:t>7/26/2019</a:t>
+              <a:t>7/30/2019</a:t>
             </a:fld>
             <a:endParaRPr lang="en-US"/>
           </a:p>
@@ -3745,7 +3765,7 @@
           <a:p>
             <a:fld id="{50DFA029-DBDA-48FC-AA96-E6230F4F15EB}" type="datetime1">
               <a:rPr lang="en-US" smtClean="0"/>
-              <a:t>7/26/2019</a:t>
+              <a:t>7/30/2019</a:t>
             </a:fld>
             <a:endParaRPr lang="en-US"/>
           </a:p>
@@ -4373,6 +4393,1971 @@
 </p:sld>
 </file>
 
+<file path=ppt/slides/slide10.xml><?xml version="1.0" encoding="utf-8"?>
+<p:sld xmlns:a="http://schemas.openxmlformats.org/drawingml/2006/main" xmlns:r="http://schemas.openxmlformats.org/officeDocument/2006/relationships" xmlns:p="http://schemas.openxmlformats.org/presentationml/2006/main">
+  <p:cSld>
+    <p:spTree>
+      <p:nvGrpSpPr>
+        <p:cNvPr id="1" name=""/>
+        <p:cNvGrpSpPr/>
+        <p:nvPr/>
+      </p:nvGrpSpPr>
+      <p:grpSpPr>
+        <a:xfrm>
+          <a:off x="0" y="0"/>
+          <a:ext cx="0" cy="0"/>
+          <a:chOff x="0" y="0"/>
+          <a:chExt cx="0" cy="0"/>
+        </a:xfrm>
+      </p:grpSpPr>
+      <p:sp>
+        <p:nvSpPr>
+          <p:cNvPr id="2" name="Title 1"/>
+          <p:cNvSpPr>
+            <a:spLocks noGrp="1"/>
+          </p:cNvSpPr>
+          <p:nvPr>
+            <p:ph type="title"/>
+          </p:nvPr>
+        </p:nvSpPr>
+        <p:spPr/>
+        <p:txBody>
+          <a:bodyPr>
+            <a:normAutofit/>
+          </a:bodyPr>
+          <a:lstStyle/>
+          <a:p>
+            <a:r>
+              <a:rPr lang="en-IN" dirty="0" smtClean="0"/>
+              <a:t>Exciting Features of Headless</a:t>
+            </a:r>
+            <a:endParaRPr lang="en-US" dirty="0"/>
+          </a:p>
+        </p:txBody>
+      </p:sp>
+      <p:sp>
+        <p:nvSpPr>
+          <p:cNvPr id="5" name="Content Placeholder 4"/>
+          <p:cNvSpPr>
+            <a:spLocks noGrp="1"/>
+          </p:cNvSpPr>
+          <p:nvPr>
+            <p:ph sz="half" idx="1"/>
+          </p:nvPr>
+        </p:nvSpPr>
+        <p:spPr>
+          <a:xfrm>
+            <a:off x="1226127" y="3013301"/>
+            <a:ext cx="4821382" cy="2867953"/>
+          </a:xfrm>
+        </p:spPr>
+        <p:txBody>
+          <a:bodyPr>
+            <a:noAutofit/>
+          </a:bodyPr>
+          <a:lstStyle/>
+          <a:p>
+            <a:pPr>
+              <a:buFont typeface="Wingdings" panose="05000000000000000000" pitchFamily="2" charset="2"/>
+              <a:buChar char="q"/>
+            </a:pPr>
+            <a:r>
+              <a:rPr lang="en-IN" sz="1900" b="1" dirty="0" smtClean="0"/>
+              <a:t>Cutting the development time saves development cost.</a:t>
+            </a:r>
+          </a:p>
+          <a:p>
+            <a:pPr>
+              <a:buFont typeface="Wingdings" panose="05000000000000000000" pitchFamily="2" charset="2"/>
+              <a:buChar char="q"/>
+            </a:pPr>
+            <a:r>
+              <a:rPr lang="en-IN" sz="1900" b="1" dirty="0" smtClean="0"/>
+              <a:t>Only pay for the service which you use.</a:t>
+            </a:r>
+            <a:endParaRPr lang="en-IN" sz="1900" b="1" dirty="0"/>
+          </a:p>
+          <a:p>
+            <a:pPr>
+              <a:buFont typeface="Wingdings" panose="05000000000000000000" pitchFamily="2" charset="2"/>
+              <a:buChar char="q"/>
+            </a:pPr>
+            <a:r>
+              <a:rPr lang="en-IN" sz="1900" b="1" dirty="0" smtClean="0"/>
+              <a:t>Ease in environment shifting reduce the overall cost.</a:t>
+            </a:r>
+          </a:p>
+        </p:txBody>
+      </p:sp>
+      <p:sp>
+        <p:nvSpPr>
+          <p:cNvPr id="11" name="Rectangle 10"/>
+          <p:cNvSpPr/>
+          <p:nvPr/>
+        </p:nvSpPr>
+        <p:spPr>
+          <a:xfrm>
+            <a:off x="1111897" y="1814422"/>
+            <a:ext cx="2759858" cy="830997"/>
+          </a:xfrm>
+          <a:prstGeom prst="rect">
+            <a:avLst/>
+          </a:prstGeom>
+        </p:spPr>
+        <p:txBody>
+          <a:bodyPr wrap="none">
+            <a:spAutoFit/>
+          </a:bodyPr>
+          <a:lstStyle/>
+          <a:p>
+            <a:endParaRPr lang="en-IN" sz="2400" b="1" dirty="0" smtClean="0"/>
+          </a:p>
+          <a:p>
+            <a:r>
+              <a:rPr lang="en-IN" sz="2400" b="1" dirty="0" smtClean="0"/>
+              <a:t>Really Cost effective</a:t>
+            </a:r>
+            <a:endParaRPr lang="en-US" sz="2400" b="1" dirty="0"/>
+          </a:p>
+        </p:txBody>
+      </p:sp>
+      <p:pic>
+        <p:nvPicPr>
+          <p:cNvPr id="12" name="Picture 11"/>
+          <p:cNvPicPr>
+            <a:picLocks noChangeAspect="1"/>
+          </p:cNvPicPr>
+          <p:nvPr/>
+        </p:nvPicPr>
+        <p:blipFill>
+          <a:blip r:embed="rId2" cstate="print">
+            <a:extLst>
+              <a:ext uri="{28A0092B-C50C-407E-A947-70E740481C1C}">
+                <a14:useLocalDpi xmlns:a14="http://schemas.microsoft.com/office/drawing/2010/main" val="0"/>
+              </a:ext>
+            </a:extLst>
+          </a:blip>
+          <a:stretch>
+            <a:fillRect/>
+          </a:stretch>
+        </p:blipFill>
+        <p:spPr>
+          <a:xfrm>
+            <a:off x="1097280" y="178229"/>
+            <a:ext cx="685798" cy="685798"/>
+          </a:xfrm>
+          <a:prstGeom prst="rect">
+            <a:avLst/>
+          </a:prstGeom>
+        </p:spPr>
+      </p:pic>
+      <p:pic>
+        <p:nvPicPr>
+          <p:cNvPr id="8" name="Content Placeholder 7"/>
+          <p:cNvPicPr>
+            <a:picLocks noGrp="1" noChangeAspect="1"/>
+          </p:cNvPicPr>
+          <p:nvPr>
+            <p:ph sz="half" idx="2"/>
+          </p:nvPr>
+        </p:nvPicPr>
+        <p:blipFill>
+          <a:blip r:embed="rId3">
+            <a:extLst>
+              <a:ext uri="{28A0092B-C50C-407E-A947-70E740481C1C}">
+                <a14:useLocalDpi xmlns:a14="http://schemas.microsoft.com/office/drawing/2010/main" val="0"/>
+              </a:ext>
+            </a:extLst>
+          </a:blip>
+          <a:stretch>
+            <a:fillRect/>
+          </a:stretch>
+        </p:blipFill>
+        <p:spPr>
+          <a:xfrm>
+            <a:off x="7258050" y="3057524"/>
+            <a:ext cx="4058948" cy="2273011"/>
+          </a:xfrm>
+        </p:spPr>
+      </p:pic>
+    </p:spTree>
+    <p:extLst>
+      <p:ext uri="{BB962C8B-B14F-4D97-AF65-F5344CB8AC3E}">
+        <p14:creationId xmlns:p14="http://schemas.microsoft.com/office/powerpoint/2010/main" val="1508642047"/>
+      </p:ext>
+    </p:extLst>
+  </p:cSld>
+  <p:clrMapOvr>
+    <a:masterClrMapping/>
+  </p:clrMapOvr>
+  <p:timing>
+    <p:tnLst>
+      <p:par>
+        <p:cTn id="1" dur="indefinite" restart="never" nodeType="tmRoot"/>
+      </p:par>
+    </p:tnLst>
+  </p:timing>
+</p:sld>
+</file>
+
+<file path=ppt/slides/slide11.xml><?xml version="1.0" encoding="utf-8"?>
+<p:sld xmlns:a="http://schemas.openxmlformats.org/drawingml/2006/main" xmlns:r="http://schemas.openxmlformats.org/officeDocument/2006/relationships" xmlns:p="http://schemas.openxmlformats.org/presentationml/2006/main">
+  <p:cSld>
+    <p:spTree>
+      <p:nvGrpSpPr>
+        <p:cNvPr id="1" name=""/>
+        <p:cNvGrpSpPr/>
+        <p:nvPr/>
+      </p:nvGrpSpPr>
+      <p:grpSpPr>
+        <a:xfrm>
+          <a:off x="0" y="0"/>
+          <a:ext cx="0" cy="0"/>
+          <a:chOff x="0" y="0"/>
+          <a:chExt cx="0" cy="0"/>
+        </a:xfrm>
+      </p:grpSpPr>
+      <p:sp>
+        <p:nvSpPr>
+          <p:cNvPr id="2" name="Title 1"/>
+          <p:cNvSpPr>
+            <a:spLocks noGrp="1"/>
+          </p:cNvSpPr>
+          <p:nvPr>
+            <p:ph type="title"/>
+          </p:nvPr>
+        </p:nvSpPr>
+        <p:spPr/>
+        <p:txBody>
+          <a:bodyPr>
+            <a:normAutofit/>
+          </a:bodyPr>
+          <a:lstStyle/>
+          <a:p>
+            <a:r>
+              <a:rPr lang="en-IN" dirty="0" smtClean="0"/>
+              <a:t>Exciting Features of Headless</a:t>
+            </a:r>
+            <a:endParaRPr lang="en-US" dirty="0"/>
+          </a:p>
+        </p:txBody>
+      </p:sp>
+      <p:sp>
+        <p:nvSpPr>
+          <p:cNvPr id="5" name="Content Placeholder 4"/>
+          <p:cNvSpPr>
+            <a:spLocks noGrp="1"/>
+          </p:cNvSpPr>
+          <p:nvPr>
+            <p:ph sz="half" idx="1"/>
+          </p:nvPr>
+        </p:nvSpPr>
+        <p:spPr>
+          <a:xfrm>
+            <a:off x="1226127" y="3013301"/>
+            <a:ext cx="4821382" cy="2867953"/>
+          </a:xfrm>
+        </p:spPr>
+        <p:txBody>
+          <a:bodyPr>
+            <a:noAutofit/>
+          </a:bodyPr>
+          <a:lstStyle/>
+          <a:p>
+            <a:pPr>
+              <a:buFont typeface="Wingdings" panose="05000000000000000000" pitchFamily="2" charset="2"/>
+              <a:buChar char="q"/>
+            </a:pPr>
+            <a:r>
+              <a:rPr lang="en-US" sz="1900" b="1" dirty="0"/>
+              <a:t>Often the API used to provide </a:t>
+            </a:r>
+            <a:r>
+              <a:rPr lang="en-US" sz="1900" b="1" dirty="0" smtClean="0"/>
+              <a:t>content is </a:t>
+            </a:r>
+            <a:r>
+              <a:rPr lang="en-US" sz="1900" b="1" dirty="0"/>
+              <a:t>read-only. This provides a level of </a:t>
+            </a:r>
+            <a:r>
+              <a:rPr lang="en-US" sz="1900" b="1" dirty="0" smtClean="0"/>
+              <a:t>security</a:t>
+            </a:r>
+            <a:r>
+              <a:rPr lang="en-IN" sz="1900" b="1" dirty="0" smtClean="0"/>
+              <a:t>.</a:t>
+            </a:r>
+          </a:p>
+          <a:p>
+            <a:pPr>
+              <a:buFont typeface="Wingdings" panose="05000000000000000000" pitchFamily="2" charset="2"/>
+              <a:buChar char="q"/>
+            </a:pPr>
+            <a:r>
+              <a:rPr lang="en-US" sz="1900" b="1" dirty="0" smtClean="0"/>
+              <a:t>Headless </a:t>
+            </a:r>
+            <a:r>
+              <a:rPr lang="en-US" sz="1900" b="1" dirty="0"/>
+              <a:t>CMS is likely on a different server and a different </a:t>
+            </a:r>
+            <a:r>
+              <a:rPr lang="en-US" sz="1900" b="1" dirty="0" smtClean="0"/>
+              <a:t>domain.</a:t>
+            </a:r>
+          </a:p>
+          <a:p>
+            <a:pPr>
+              <a:buFont typeface="Wingdings" panose="05000000000000000000" pitchFamily="2" charset="2"/>
+              <a:buChar char="q"/>
+            </a:pPr>
+            <a:r>
+              <a:rPr lang="en-IN" sz="1900" b="1" dirty="0" smtClean="0"/>
+              <a:t>Backend team only concentrate on security of data.</a:t>
+            </a:r>
+            <a:endParaRPr lang="en-US" sz="1900" b="1" dirty="0" smtClean="0"/>
+          </a:p>
+          <a:p>
+            <a:pPr>
+              <a:buFont typeface="Wingdings" panose="05000000000000000000" pitchFamily="2" charset="2"/>
+              <a:buChar char="q"/>
+            </a:pPr>
+            <a:endParaRPr lang="en-IN" sz="1900" b="1" dirty="0" smtClean="0"/>
+          </a:p>
+          <a:p>
+            <a:pPr>
+              <a:buFont typeface="Wingdings" panose="05000000000000000000" pitchFamily="2" charset="2"/>
+              <a:buChar char="q"/>
+            </a:pPr>
+            <a:endParaRPr lang="en-IN" sz="1900" b="1" dirty="0"/>
+          </a:p>
+        </p:txBody>
+      </p:sp>
+      <p:sp>
+        <p:nvSpPr>
+          <p:cNvPr id="11" name="Rectangle 10"/>
+          <p:cNvSpPr/>
+          <p:nvPr/>
+        </p:nvSpPr>
+        <p:spPr>
+          <a:xfrm>
+            <a:off x="1111897" y="1814422"/>
+            <a:ext cx="2076338" cy="830997"/>
+          </a:xfrm>
+          <a:prstGeom prst="rect">
+            <a:avLst/>
+          </a:prstGeom>
+        </p:spPr>
+        <p:txBody>
+          <a:bodyPr wrap="none">
+            <a:spAutoFit/>
+          </a:bodyPr>
+          <a:lstStyle/>
+          <a:p>
+            <a:endParaRPr lang="en-IN" sz="2400" b="1" dirty="0" smtClean="0"/>
+          </a:p>
+          <a:p>
+            <a:r>
+              <a:rPr lang="en-IN" sz="2400" b="1" dirty="0" smtClean="0"/>
+              <a:t>Better Security</a:t>
+            </a:r>
+            <a:endParaRPr lang="en-US" sz="2400" b="1" dirty="0"/>
+          </a:p>
+        </p:txBody>
+      </p:sp>
+      <p:pic>
+        <p:nvPicPr>
+          <p:cNvPr id="12" name="Picture 11"/>
+          <p:cNvPicPr>
+            <a:picLocks noChangeAspect="1"/>
+          </p:cNvPicPr>
+          <p:nvPr/>
+        </p:nvPicPr>
+        <p:blipFill>
+          <a:blip r:embed="rId2" cstate="print">
+            <a:extLst>
+              <a:ext uri="{28A0092B-C50C-407E-A947-70E740481C1C}">
+                <a14:useLocalDpi xmlns:a14="http://schemas.microsoft.com/office/drawing/2010/main" val="0"/>
+              </a:ext>
+            </a:extLst>
+          </a:blip>
+          <a:stretch>
+            <a:fillRect/>
+          </a:stretch>
+        </p:blipFill>
+        <p:spPr>
+          <a:xfrm>
+            <a:off x="1097280" y="178229"/>
+            <a:ext cx="685798" cy="685798"/>
+          </a:xfrm>
+          <a:prstGeom prst="rect">
+            <a:avLst/>
+          </a:prstGeom>
+        </p:spPr>
+      </p:pic>
+      <p:pic>
+        <p:nvPicPr>
+          <p:cNvPr id="4" name="Content Placeholder 3"/>
+          <p:cNvPicPr>
+            <a:picLocks noGrp="1" noChangeAspect="1"/>
+          </p:cNvPicPr>
+          <p:nvPr>
+            <p:ph sz="half" idx="2"/>
+          </p:nvPr>
+        </p:nvPicPr>
+        <p:blipFill>
+          <a:blip r:embed="rId3">
+            <a:extLst>
+              <a:ext uri="{28A0092B-C50C-407E-A947-70E740481C1C}">
+                <a14:useLocalDpi xmlns:a14="http://schemas.microsoft.com/office/drawing/2010/main" val="0"/>
+              </a:ext>
+            </a:extLst>
+          </a:blip>
+          <a:stretch>
+            <a:fillRect/>
+          </a:stretch>
+        </p:blipFill>
+        <p:spPr>
+          <a:xfrm>
+            <a:off x="7234238" y="2667000"/>
+            <a:ext cx="3395662" cy="2783330"/>
+          </a:xfrm>
+        </p:spPr>
+      </p:pic>
+    </p:spTree>
+    <p:extLst>
+      <p:ext uri="{BB962C8B-B14F-4D97-AF65-F5344CB8AC3E}">
+        <p14:creationId xmlns:p14="http://schemas.microsoft.com/office/powerpoint/2010/main" val="3489170933"/>
+      </p:ext>
+    </p:extLst>
+  </p:cSld>
+  <p:clrMapOvr>
+    <a:masterClrMapping/>
+  </p:clrMapOvr>
+  <p:timing>
+    <p:tnLst>
+      <p:par>
+        <p:cTn id="1" dur="indefinite" restart="never" nodeType="tmRoot"/>
+      </p:par>
+    </p:tnLst>
+  </p:timing>
+</p:sld>
+</file>
+
+<file path=ppt/slides/slide12.xml><?xml version="1.0" encoding="utf-8"?>
+<p:sld xmlns:a="http://schemas.openxmlformats.org/drawingml/2006/main" xmlns:r="http://schemas.openxmlformats.org/officeDocument/2006/relationships" xmlns:p="http://schemas.openxmlformats.org/presentationml/2006/main">
+  <p:cSld>
+    <p:spTree>
+      <p:nvGrpSpPr>
+        <p:cNvPr id="1" name=""/>
+        <p:cNvGrpSpPr/>
+        <p:nvPr/>
+      </p:nvGrpSpPr>
+      <p:grpSpPr>
+        <a:xfrm>
+          <a:off x="0" y="0"/>
+          <a:ext cx="0" cy="0"/>
+          <a:chOff x="0" y="0"/>
+          <a:chExt cx="0" cy="0"/>
+        </a:xfrm>
+      </p:grpSpPr>
+      <p:sp>
+        <p:nvSpPr>
+          <p:cNvPr id="2" name="Title 1"/>
+          <p:cNvSpPr>
+            <a:spLocks noGrp="1"/>
+          </p:cNvSpPr>
+          <p:nvPr>
+            <p:ph type="title"/>
+          </p:nvPr>
+        </p:nvSpPr>
+        <p:spPr/>
+        <p:txBody>
+          <a:bodyPr>
+            <a:normAutofit/>
+          </a:bodyPr>
+          <a:lstStyle/>
+          <a:p>
+            <a:r>
+              <a:rPr lang="en-IN" dirty="0" smtClean="0"/>
+              <a:t>List </a:t>
+            </a:r>
+            <a:r>
+              <a:rPr lang="en-IN" dirty="0"/>
+              <a:t>of </a:t>
+            </a:r>
+            <a:r>
+              <a:rPr lang="en-IN" dirty="0" smtClean="0"/>
+              <a:t>headless CMS in market</a:t>
+            </a:r>
+            <a:endParaRPr lang="en-US" dirty="0"/>
+          </a:p>
+        </p:txBody>
+      </p:sp>
+      <p:sp>
+        <p:nvSpPr>
+          <p:cNvPr id="5" name="Content Placeholder 4"/>
+          <p:cNvSpPr>
+            <a:spLocks noGrp="1"/>
+          </p:cNvSpPr>
+          <p:nvPr>
+            <p:ph sz="half" idx="1"/>
+          </p:nvPr>
+        </p:nvSpPr>
+        <p:spPr>
+          <a:xfrm>
+            <a:off x="1226127" y="3013301"/>
+            <a:ext cx="4821382" cy="2867953"/>
+          </a:xfrm>
+        </p:spPr>
+        <p:txBody>
+          <a:bodyPr>
+            <a:noAutofit/>
+          </a:bodyPr>
+          <a:lstStyle/>
+          <a:p>
+            <a:pPr>
+              <a:buFont typeface="Wingdings" panose="05000000000000000000" pitchFamily="2" charset="2"/>
+              <a:buChar char="q"/>
+            </a:pPr>
+            <a:r>
+              <a:rPr lang="en-IN" sz="1900" b="1" dirty="0" smtClean="0"/>
+              <a:t>Contentful</a:t>
+            </a:r>
+          </a:p>
+          <a:p>
+            <a:pPr>
+              <a:buFont typeface="Wingdings" panose="05000000000000000000" pitchFamily="2" charset="2"/>
+              <a:buChar char="q"/>
+            </a:pPr>
+            <a:r>
+              <a:rPr lang="en-IN" sz="1900" b="1" dirty="0" smtClean="0"/>
+              <a:t>Storyblok</a:t>
+            </a:r>
+          </a:p>
+          <a:p>
+            <a:pPr>
+              <a:buFont typeface="Wingdings" panose="05000000000000000000" pitchFamily="2" charset="2"/>
+              <a:buChar char="q"/>
+            </a:pPr>
+            <a:r>
+              <a:rPr lang="en-IN" sz="1900" b="1" dirty="0" smtClean="0"/>
+              <a:t>Prismic</a:t>
+            </a:r>
+          </a:p>
+          <a:p>
+            <a:pPr>
+              <a:buFont typeface="Wingdings" panose="05000000000000000000" pitchFamily="2" charset="2"/>
+              <a:buChar char="q"/>
+            </a:pPr>
+            <a:r>
+              <a:rPr lang="en-US" sz="1800" b="1" dirty="0" smtClean="0"/>
+              <a:t>Directus</a:t>
+            </a:r>
+          </a:p>
+          <a:p>
+            <a:pPr>
+              <a:buFont typeface="Wingdings" panose="05000000000000000000" pitchFamily="2" charset="2"/>
+              <a:buChar char="q"/>
+            </a:pPr>
+            <a:r>
+              <a:rPr lang="en-US" sz="1800" b="1" dirty="0"/>
+              <a:t>Kentico cloud</a:t>
+            </a:r>
+          </a:p>
+          <a:p>
+            <a:pPr>
+              <a:buFont typeface="Wingdings" panose="05000000000000000000" pitchFamily="2" charset="2"/>
+              <a:buChar char="q"/>
+            </a:pPr>
+            <a:r>
+              <a:rPr lang="en-US" sz="1800" b="1" dirty="0"/>
+              <a:t>Squidex</a:t>
+            </a:r>
+          </a:p>
+          <a:p>
+            <a:pPr>
+              <a:buFont typeface="Wingdings" panose="05000000000000000000" pitchFamily="2" charset="2"/>
+              <a:buChar char="q"/>
+            </a:pPr>
+            <a:r>
+              <a:rPr lang="en-US" sz="1800" b="1" dirty="0"/>
+              <a:t>Butter CMS</a:t>
+            </a:r>
+          </a:p>
+          <a:p>
+            <a:pPr>
+              <a:buFont typeface="Wingdings" panose="05000000000000000000" pitchFamily="2" charset="2"/>
+              <a:buChar char="q"/>
+            </a:pPr>
+            <a:endParaRPr lang="en-US" sz="1800" b="1" dirty="0"/>
+          </a:p>
+          <a:p>
+            <a:pPr marL="0" indent="0">
+              <a:buNone/>
+            </a:pPr>
+            <a:endParaRPr lang="en-IN" sz="1900" b="1" dirty="0" smtClean="0"/>
+          </a:p>
+          <a:p>
+            <a:pPr>
+              <a:buFont typeface="Wingdings" panose="05000000000000000000" pitchFamily="2" charset="2"/>
+              <a:buChar char="q"/>
+            </a:pPr>
+            <a:endParaRPr lang="en-IN" sz="1900" b="1" dirty="0"/>
+          </a:p>
+        </p:txBody>
+      </p:sp>
+      <p:sp>
+        <p:nvSpPr>
+          <p:cNvPr id="11" name="Rectangle 10"/>
+          <p:cNvSpPr/>
+          <p:nvPr/>
+        </p:nvSpPr>
+        <p:spPr>
+          <a:xfrm>
+            <a:off x="1111897" y="1814422"/>
+            <a:ext cx="2076338" cy="830997"/>
+          </a:xfrm>
+          <a:prstGeom prst="rect">
+            <a:avLst/>
+          </a:prstGeom>
+        </p:spPr>
+        <p:txBody>
+          <a:bodyPr wrap="none">
+            <a:spAutoFit/>
+          </a:bodyPr>
+          <a:lstStyle/>
+          <a:p>
+            <a:endParaRPr lang="en-IN" sz="2400" b="1" dirty="0" smtClean="0"/>
+          </a:p>
+          <a:p>
+            <a:r>
+              <a:rPr lang="en-IN" sz="2400" b="1" dirty="0" smtClean="0"/>
+              <a:t>Better Security</a:t>
+            </a:r>
+            <a:endParaRPr lang="en-US" sz="2400" b="1" dirty="0"/>
+          </a:p>
+        </p:txBody>
+      </p:sp>
+      <p:pic>
+        <p:nvPicPr>
+          <p:cNvPr id="12" name="Picture 11"/>
+          <p:cNvPicPr>
+            <a:picLocks noChangeAspect="1"/>
+          </p:cNvPicPr>
+          <p:nvPr/>
+        </p:nvPicPr>
+        <p:blipFill>
+          <a:blip r:embed="rId2" cstate="print">
+            <a:extLst>
+              <a:ext uri="{28A0092B-C50C-407E-A947-70E740481C1C}">
+                <a14:useLocalDpi xmlns:a14="http://schemas.microsoft.com/office/drawing/2010/main" val="0"/>
+              </a:ext>
+            </a:extLst>
+          </a:blip>
+          <a:stretch>
+            <a:fillRect/>
+          </a:stretch>
+        </p:blipFill>
+        <p:spPr>
+          <a:xfrm>
+            <a:off x="1097280" y="178229"/>
+            <a:ext cx="685798" cy="685798"/>
+          </a:xfrm>
+          <a:prstGeom prst="rect">
+            <a:avLst/>
+          </a:prstGeom>
+        </p:spPr>
+      </p:pic>
+      <p:pic>
+        <p:nvPicPr>
+          <p:cNvPr id="6" name="Content Placeholder 5"/>
+          <p:cNvPicPr>
+            <a:picLocks noGrp="1" noChangeAspect="1"/>
+          </p:cNvPicPr>
+          <p:nvPr>
+            <p:ph sz="half" idx="2"/>
+          </p:nvPr>
+        </p:nvPicPr>
+        <p:blipFill>
+          <a:blip r:embed="rId3">
+            <a:extLst>
+              <a:ext uri="{28A0092B-C50C-407E-A947-70E740481C1C}">
+                <a14:useLocalDpi xmlns:a14="http://schemas.microsoft.com/office/drawing/2010/main" val="0"/>
+              </a:ext>
+            </a:extLst>
+          </a:blip>
+          <a:stretch>
+            <a:fillRect/>
+          </a:stretch>
+        </p:blipFill>
+        <p:spPr>
+          <a:xfrm>
+            <a:off x="6724896" y="2702116"/>
+            <a:ext cx="3395849" cy="2736462"/>
+          </a:xfrm>
+        </p:spPr>
+      </p:pic>
+    </p:spTree>
+    <p:extLst>
+      <p:ext uri="{BB962C8B-B14F-4D97-AF65-F5344CB8AC3E}">
+        <p14:creationId xmlns:p14="http://schemas.microsoft.com/office/powerpoint/2010/main" val="1664776542"/>
+      </p:ext>
+    </p:extLst>
+  </p:cSld>
+  <p:clrMapOvr>
+    <a:masterClrMapping/>
+  </p:clrMapOvr>
+  <p:timing>
+    <p:tnLst>
+      <p:par>
+        <p:cTn id="1" dur="indefinite" restart="never" nodeType="tmRoot"/>
+      </p:par>
+    </p:tnLst>
+  </p:timing>
+</p:sld>
+</file>
+
+<file path=ppt/slides/slide13.xml><?xml version="1.0" encoding="utf-8"?>
+<p:sld xmlns:a="http://schemas.openxmlformats.org/drawingml/2006/main" xmlns:r="http://schemas.openxmlformats.org/officeDocument/2006/relationships" xmlns:p="http://schemas.openxmlformats.org/presentationml/2006/main">
+  <p:cSld>
+    <p:spTree>
+      <p:nvGrpSpPr>
+        <p:cNvPr id="1" name=""/>
+        <p:cNvGrpSpPr/>
+        <p:nvPr/>
+      </p:nvGrpSpPr>
+      <p:grpSpPr>
+        <a:xfrm>
+          <a:off x="0" y="0"/>
+          <a:ext cx="0" cy="0"/>
+          <a:chOff x="0" y="0"/>
+          <a:chExt cx="0" cy="0"/>
+        </a:xfrm>
+      </p:grpSpPr>
+      <p:sp>
+        <p:nvSpPr>
+          <p:cNvPr id="2" name="Title 1"/>
+          <p:cNvSpPr>
+            <a:spLocks noGrp="1"/>
+          </p:cNvSpPr>
+          <p:nvPr>
+            <p:ph type="title"/>
+          </p:nvPr>
+        </p:nvSpPr>
+        <p:spPr/>
+        <p:txBody>
+          <a:bodyPr>
+            <a:normAutofit/>
+          </a:bodyPr>
+          <a:lstStyle/>
+          <a:p>
+            <a:r>
+              <a:rPr lang="en-IN" dirty="0" smtClean="0"/>
+              <a:t>Why Contentful a good choice</a:t>
+            </a:r>
+            <a:endParaRPr lang="en-US" dirty="0"/>
+          </a:p>
+        </p:txBody>
+      </p:sp>
+      <p:sp>
+        <p:nvSpPr>
+          <p:cNvPr id="5" name="Content Placeholder 4"/>
+          <p:cNvSpPr>
+            <a:spLocks noGrp="1"/>
+          </p:cNvSpPr>
+          <p:nvPr>
+            <p:ph sz="half" idx="1"/>
+          </p:nvPr>
+        </p:nvSpPr>
+        <p:spPr>
+          <a:xfrm>
+            <a:off x="1205345" y="2005177"/>
+            <a:ext cx="4821382" cy="2867953"/>
+          </a:xfrm>
+        </p:spPr>
+        <p:txBody>
+          <a:bodyPr>
+            <a:noAutofit/>
+          </a:bodyPr>
+          <a:lstStyle/>
+          <a:p>
+            <a:pPr>
+              <a:buFont typeface="Wingdings" panose="05000000000000000000" pitchFamily="2" charset="2"/>
+              <a:buChar char="q"/>
+            </a:pPr>
+            <a:r>
+              <a:rPr lang="en-US" sz="1800" b="1" dirty="0"/>
+              <a:t>Advanced </a:t>
+            </a:r>
+            <a:r>
+              <a:rPr lang="en-US" sz="1800" b="1" dirty="0" smtClean="0"/>
+              <a:t>caching mechanism</a:t>
+            </a:r>
+            <a:r>
+              <a:rPr lang="en-US" sz="1800" dirty="0" smtClean="0"/>
+              <a:t>: Integrated tightly with external CDNs to deliver API payloads in the sub-100 ms range</a:t>
+            </a:r>
+            <a:endParaRPr lang="en-IN" sz="1900" b="1" dirty="0" smtClean="0"/>
+          </a:p>
+          <a:p>
+            <a:pPr>
+              <a:buFont typeface="Wingdings" panose="05000000000000000000" pitchFamily="2" charset="2"/>
+              <a:buChar char="q"/>
+            </a:pPr>
+            <a:r>
+              <a:rPr lang="en-US" sz="1800" b="1" dirty="0"/>
+              <a:t>Microservices </a:t>
+            </a:r>
+            <a:r>
+              <a:rPr lang="en-US" sz="1800" b="1" dirty="0" smtClean="0"/>
+              <a:t>architecture:</a:t>
+            </a:r>
+            <a:r>
+              <a:rPr lang="en-US" sz="1800" dirty="0"/>
+              <a:t> The fully decoupled write &amp; read APIs ensure a fault-tolerant service that evolves without breaking your CMS or apps</a:t>
+            </a:r>
+            <a:r>
+              <a:rPr lang="en-US" sz="1800" dirty="0" smtClean="0"/>
+              <a:t>.</a:t>
+            </a:r>
+          </a:p>
+          <a:p>
+            <a:pPr>
+              <a:buFont typeface="Wingdings" panose="05000000000000000000" pitchFamily="2" charset="2"/>
+              <a:buChar char="q"/>
+            </a:pPr>
+            <a:r>
+              <a:rPr lang="en-US" sz="1800" b="1" dirty="0"/>
+              <a:t>RESTful </a:t>
+            </a:r>
+            <a:r>
+              <a:rPr lang="en-US" sz="1800" b="1" dirty="0" smtClean="0"/>
+              <a:t>API:</a:t>
+            </a:r>
+            <a:r>
+              <a:rPr lang="en-US" sz="1800" dirty="0"/>
+              <a:t> stateless API with compact JSON payloads gives you full programmatic control over your content management system, including assets, translations and other versions.</a:t>
+            </a:r>
+            <a:endParaRPr lang="en-IN" sz="1900" b="1" dirty="0"/>
+          </a:p>
+        </p:txBody>
+      </p:sp>
+      <p:pic>
+        <p:nvPicPr>
+          <p:cNvPr id="12" name="Picture 11"/>
+          <p:cNvPicPr>
+            <a:picLocks noChangeAspect="1"/>
+          </p:cNvPicPr>
+          <p:nvPr/>
+        </p:nvPicPr>
+        <p:blipFill>
+          <a:blip r:embed="rId2" cstate="print">
+            <a:extLst>
+              <a:ext uri="{28A0092B-C50C-407E-A947-70E740481C1C}">
+                <a14:useLocalDpi xmlns:a14="http://schemas.microsoft.com/office/drawing/2010/main" val="0"/>
+              </a:ext>
+            </a:extLst>
+          </a:blip>
+          <a:stretch>
+            <a:fillRect/>
+          </a:stretch>
+        </p:blipFill>
+        <p:spPr>
+          <a:xfrm>
+            <a:off x="1097280" y="178229"/>
+            <a:ext cx="685798" cy="685798"/>
+          </a:xfrm>
+          <a:prstGeom prst="rect">
+            <a:avLst/>
+          </a:prstGeom>
+        </p:spPr>
+      </p:pic>
+      <p:pic>
+        <p:nvPicPr>
+          <p:cNvPr id="9" name="Content Placeholder 8"/>
+          <p:cNvPicPr>
+            <a:picLocks noGrp="1" noChangeAspect="1"/>
+          </p:cNvPicPr>
+          <p:nvPr>
+            <p:ph sz="half" idx="2"/>
+          </p:nvPr>
+        </p:nvPicPr>
+        <p:blipFill>
+          <a:blip r:embed="rId3" cstate="print">
+            <a:extLst>
+              <a:ext uri="{28A0092B-C50C-407E-A947-70E740481C1C}">
+                <a14:useLocalDpi xmlns:a14="http://schemas.microsoft.com/office/drawing/2010/main" val="0"/>
+              </a:ext>
+            </a:extLst>
+          </a:blip>
+          <a:stretch>
+            <a:fillRect/>
+          </a:stretch>
+        </p:blipFill>
+        <p:spPr>
+          <a:xfrm>
+            <a:off x="6218238" y="2005177"/>
+            <a:ext cx="4937125" cy="3704897"/>
+          </a:xfrm>
+        </p:spPr>
+      </p:pic>
+    </p:spTree>
+    <p:extLst>
+      <p:ext uri="{BB962C8B-B14F-4D97-AF65-F5344CB8AC3E}">
+        <p14:creationId xmlns:p14="http://schemas.microsoft.com/office/powerpoint/2010/main" val="99239844"/>
+      </p:ext>
+    </p:extLst>
+  </p:cSld>
+  <p:clrMapOvr>
+    <a:masterClrMapping/>
+  </p:clrMapOvr>
+  <p:timing>
+    <p:tnLst>
+      <p:par>
+        <p:cTn id="1" dur="indefinite" restart="never" nodeType="tmRoot"/>
+      </p:par>
+    </p:tnLst>
+  </p:timing>
+</p:sld>
+</file>
+
+<file path=ppt/slides/slide14.xml><?xml version="1.0" encoding="utf-8"?>
+<p:sld xmlns:a="http://schemas.openxmlformats.org/drawingml/2006/main" xmlns:r="http://schemas.openxmlformats.org/officeDocument/2006/relationships" xmlns:p="http://schemas.openxmlformats.org/presentationml/2006/main">
+  <p:cSld>
+    <p:spTree>
+      <p:nvGrpSpPr>
+        <p:cNvPr id="1" name=""/>
+        <p:cNvGrpSpPr/>
+        <p:nvPr/>
+      </p:nvGrpSpPr>
+      <p:grpSpPr>
+        <a:xfrm>
+          <a:off x="0" y="0"/>
+          <a:ext cx="0" cy="0"/>
+          <a:chOff x="0" y="0"/>
+          <a:chExt cx="0" cy="0"/>
+        </a:xfrm>
+      </p:grpSpPr>
+      <p:sp>
+        <p:nvSpPr>
+          <p:cNvPr id="2" name="Title 1"/>
+          <p:cNvSpPr>
+            <a:spLocks noGrp="1"/>
+          </p:cNvSpPr>
+          <p:nvPr>
+            <p:ph type="title"/>
+          </p:nvPr>
+        </p:nvSpPr>
+        <p:spPr/>
+        <p:txBody>
+          <a:bodyPr>
+            <a:normAutofit/>
+          </a:bodyPr>
+          <a:lstStyle/>
+          <a:p>
+            <a:r>
+              <a:rPr lang="en-IN" dirty="0" smtClean="0"/>
+              <a:t>Why Contentful a good choice</a:t>
+            </a:r>
+            <a:endParaRPr lang="en-US" dirty="0"/>
+          </a:p>
+        </p:txBody>
+      </p:sp>
+      <p:sp>
+        <p:nvSpPr>
+          <p:cNvPr id="5" name="Content Placeholder 4"/>
+          <p:cNvSpPr>
+            <a:spLocks noGrp="1"/>
+          </p:cNvSpPr>
+          <p:nvPr>
+            <p:ph sz="half" idx="1"/>
+          </p:nvPr>
+        </p:nvSpPr>
+        <p:spPr>
+          <a:xfrm>
+            <a:off x="1184563" y="1993581"/>
+            <a:ext cx="4821382" cy="2867953"/>
+          </a:xfrm>
+        </p:spPr>
+        <p:txBody>
+          <a:bodyPr>
+            <a:noAutofit/>
+          </a:bodyPr>
+          <a:lstStyle/>
+          <a:p>
+            <a:pPr>
+              <a:buFont typeface="Wingdings" panose="05000000000000000000" pitchFamily="2" charset="2"/>
+              <a:buChar char="q"/>
+            </a:pPr>
+            <a:r>
+              <a:rPr lang="en-US" sz="1800" b="1" dirty="0"/>
+              <a:t>Advanced </a:t>
+            </a:r>
+            <a:r>
+              <a:rPr lang="en-US" sz="1800" b="1" dirty="0" smtClean="0"/>
+              <a:t>Rich text editor</a:t>
+            </a:r>
+            <a:r>
+              <a:rPr lang="en-US" sz="1800" dirty="0" smtClean="0"/>
+              <a:t>: </a:t>
+            </a:r>
+            <a:r>
+              <a:rPr lang="en-US" sz="1800" dirty="0"/>
+              <a:t>A beautiful web app built for authoring all types of content - text, location, dates, collections, JSON snippets, and </a:t>
+            </a:r>
+            <a:r>
+              <a:rPr lang="en-US" sz="1800" dirty="0" smtClean="0"/>
+              <a:t>more.</a:t>
+            </a:r>
+            <a:endParaRPr lang="en-IN" sz="1900" b="1" dirty="0" smtClean="0"/>
+          </a:p>
+          <a:p>
+            <a:pPr>
+              <a:buFont typeface="Wingdings" panose="05000000000000000000" pitchFamily="2" charset="2"/>
+              <a:buChar char="q"/>
+            </a:pPr>
+            <a:r>
+              <a:rPr lang="en-US" sz="1800" b="1" dirty="0" smtClean="0"/>
+              <a:t>Multi-language:</a:t>
+            </a:r>
+            <a:r>
+              <a:rPr lang="en-US" sz="1800" dirty="0" smtClean="0"/>
+              <a:t> </a:t>
+            </a:r>
+            <a:r>
+              <a:rPr lang="en-US" sz="1800" dirty="0"/>
+              <a:t>Publishing in multiple languages is stressful, but granular locale settings help you launch on time, every </a:t>
+            </a:r>
+            <a:r>
+              <a:rPr lang="en-US" sz="1800" dirty="0" smtClean="0"/>
+              <a:t>time.</a:t>
+            </a:r>
+          </a:p>
+          <a:p>
+            <a:pPr>
+              <a:buFont typeface="Wingdings" panose="05000000000000000000" pitchFamily="2" charset="2"/>
+              <a:buChar char="q"/>
+            </a:pPr>
+            <a:r>
+              <a:rPr lang="en-US" sz="1800" b="1" dirty="0" smtClean="0"/>
+              <a:t>Role and permissions: </a:t>
+            </a:r>
+            <a:r>
+              <a:rPr lang="en-US" sz="1800" dirty="0"/>
+              <a:t>The default roles and access rights keep your content safe and team members productive at every stage of your business </a:t>
+            </a:r>
+            <a:r>
+              <a:rPr lang="en-US" sz="1800" dirty="0" smtClean="0"/>
+              <a:t>journey.</a:t>
+            </a:r>
+            <a:endParaRPr lang="en-IN" sz="1900" b="1" dirty="0"/>
+          </a:p>
+        </p:txBody>
+      </p:sp>
+      <p:pic>
+        <p:nvPicPr>
+          <p:cNvPr id="12" name="Picture 11"/>
+          <p:cNvPicPr>
+            <a:picLocks noChangeAspect="1"/>
+          </p:cNvPicPr>
+          <p:nvPr/>
+        </p:nvPicPr>
+        <p:blipFill>
+          <a:blip r:embed="rId2" cstate="print">
+            <a:extLst>
+              <a:ext uri="{28A0092B-C50C-407E-A947-70E740481C1C}">
+                <a14:useLocalDpi xmlns:a14="http://schemas.microsoft.com/office/drawing/2010/main" val="0"/>
+              </a:ext>
+            </a:extLst>
+          </a:blip>
+          <a:stretch>
+            <a:fillRect/>
+          </a:stretch>
+        </p:blipFill>
+        <p:spPr>
+          <a:xfrm>
+            <a:off x="1097280" y="178229"/>
+            <a:ext cx="685798" cy="685798"/>
+          </a:xfrm>
+          <a:prstGeom prst="rect">
+            <a:avLst/>
+          </a:prstGeom>
+        </p:spPr>
+      </p:pic>
+      <p:pic>
+        <p:nvPicPr>
+          <p:cNvPr id="8" name="Content Placeholder 7"/>
+          <p:cNvPicPr>
+            <a:picLocks noGrp="1" noChangeAspect="1"/>
+          </p:cNvPicPr>
+          <p:nvPr>
+            <p:ph sz="half" idx="2"/>
+          </p:nvPr>
+        </p:nvPicPr>
+        <p:blipFill>
+          <a:blip r:embed="rId3" cstate="print">
+            <a:extLst>
+              <a:ext uri="{28A0092B-C50C-407E-A947-70E740481C1C}">
+                <a14:useLocalDpi xmlns:a14="http://schemas.microsoft.com/office/drawing/2010/main" val="0"/>
+              </a:ext>
+            </a:extLst>
+          </a:blip>
+          <a:stretch>
+            <a:fillRect/>
+          </a:stretch>
+        </p:blipFill>
+        <p:spPr>
+          <a:xfrm>
+            <a:off x="6218238" y="1993581"/>
+            <a:ext cx="4937125" cy="3728088"/>
+          </a:xfrm>
+        </p:spPr>
+      </p:pic>
+    </p:spTree>
+    <p:extLst>
+      <p:ext uri="{BB962C8B-B14F-4D97-AF65-F5344CB8AC3E}">
+        <p14:creationId xmlns:p14="http://schemas.microsoft.com/office/powerpoint/2010/main" val="1813124010"/>
+      </p:ext>
+    </p:extLst>
+  </p:cSld>
+  <p:clrMapOvr>
+    <a:masterClrMapping/>
+  </p:clrMapOvr>
+  <p:timing>
+    <p:tnLst>
+      <p:par>
+        <p:cTn id="1" dur="indefinite" restart="never" nodeType="tmRoot"/>
+      </p:par>
+    </p:tnLst>
+  </p:timing>
+</p:sld>
+</file>
+
+<file path=ppt/slides/slide15.xml><?xml version="1.0" encoding="utf-8"?>
+<p:sld xmlns:a="http://schemas.openxmlformats.org/drawingml/2006/main" xmlns:r="http://schemas.openxmlformats.org/officeDocument/2006/relationships" xmlns:p="http://schemas.openxmlformats.org/presentationml/2006/main">
+  <p:cSld>
+    <p:spTree>
+      <p:nvGrpSpPr>
+        <p:cNvPr id="1" name=""/>
+        <p:cNvGrpSpPr/>
+        <p:nvPr/>
+      </p:nvGrpSpPr>
+      <p:grpSpPr>
+        <a:xfrm>
+          <a:off x="0" y="0"/>
+          <a:ext cx="0" cy="0"/>
+          <a:chOff x="0" y="0"/>
+          <a:chExt cx="0" cy="0"/>
+        </a:xfrm>
+      </p:grpSpPr>
+      <p:sp>
+        <p:nvSpPr>
+          <p:cNvPr id="2" name="Title 1"/>
+          <p:cNvSpPr>
+            <a:spLocks noGrp="1"/>
+          </p:cNvSpPr>
+          <p:nvPr>
+            <p:ph type="title"/>
+          </p:nvPr>
+        </p:nvSpPr>
+        <p:spPr/>
+        <p:txBody>
+          <a:bodyPr>
+            <a:normAutofit/>
+          </a:bodyPr>
+          <a:lstStyle/>
+          <a:p>
+            <a:r>
+              <a:rPr lang="en-IN" dirty="0" smtClean="0"/>
+              <a:t>Why Contentful a good choice</a:t>
+            </a:r>
+            <a:endParaRPr lang="en-US" dirty="0"/>
+          </a:p>
+        </p:txBody>
+      </p:sp>
+      <p:sp>
+        <p:nvSpPr>
+          <p:cNvPr id="5" name="Content Placeholder 4"/>
+          <p:cNvSpPr>
+            <a:spLocks noGrp="1"/>
+          </p:cNvSpPr>
+          <p:nvPr>
+            <p:ph sz="half" idx="1"/>
+          </p:nvPr>
+        </p:nvSpPr>
+        <p:spPr>
+          <a:xfrm>
+            <a:off x="1097280" y="1845734"/>
+            <a:ext cx="4821382" cy="2867953"/>
+          </a:xfrm>
+        </p:spPr>
+        <p:txBody>
+          <a:bodyPr>
+            <a:noAutofit/>
+          </a:bodyPr>
+          <a:lstStyle/>
+          <a:p>
+            <a:pPr>
+              <a:buFont typeface="Wingdings" panose="05000000000000000000" pitchFamily="2" charset="2"/>
+              <a:buChar char="q"/>
+            </a:pPr>
+            <a:r>
+              <a:rPr lang="en-US" sz="1800" b="1" dirty="0" smtClean="0"/>
+              <a:t>Content Modeling</a:t>
+            </a:r>
+            <a:r>
+              <a:rPr lang="en-US" sz="1800" dirty="0" smtClean="0"/>
+              <a:t>:</a:t>
+            </a:r>
+            <a:r>
+              <a:rPr lang="en-US" sz="1800" dirty="0"/>
+              <a:t> Create custom content types, pick and choose individual fields, and arrange entries in flexible </a:t>
+            </a:r>
+            <a:r>
+              <a:rPr lang="en-US" sz="1800" dirty="0" smtClean="0"/>
+              <a:t>hierarchies.</a:t>
+            </a:r>
+          </a:p>
+          <a:p>
+            <a:pPr>
+              <a:buFont typeface="Wingdings" panose="05000000000000000000" pitchFamily="2" charset="2"/>
+              <a:buChar char="q"/>
+            </a:pPr>
+            <a:endParaRPr lang="en-IN" sz="1900" b="1" dirty="0" smtClean="0"/>
+          </a:p>
+        </p:txBody>
+      </p:sp>
+      <p:pic>
+        <p:nvPicPr>
+          <p:cNvPr id="12" name="Picture 11"/>
+          <p:cNvPicPr>
+            <a:picLocks noChangeAspect="1"/>
+          </p:cNvPicPr>
+          <p:nvPr/>
+        </p:nvPicPr>
+        <p:blipFill>
+          <a:blip r:embed="rId2" cstate="print">
+            <a:extLst>
+              <a:ext uri="{28A0092B-C50C-407E-A947-70E740481C1C}">
+                <a14:useLocalDpi xmlns:a14="http://schemas.microsoft.com/office/drawing/2010/main" val="0"/>
+              </a:ext>
+            </a:extLst>
+          </a:blip>
+          <a:stretch>
+            <a:fillRect/>
+          </a:stretch>
+        </p:blipFill>
+        <p:spPr>
+          <a:xfrm>
+            <a:off x="1097280" y="178229"/>
+            <a:ext cx="685798" cy="685798"/>
+          </a:xfrm>
+          <a:prstGeom prst="rect">
+            <a:avLst/>
+          </a:prstGeom>
+        </p:spPr>
+      </p:pic>
+      <p:pic>
+        <p:nvPicPr>
+          <p:cNvPr id="6" name="Content Placeholder 5"/>
+          <p:cNvPicPr>
+            <a:picLocks noGrp="1" noChangeAspect="1"/>
+          </p:cNvPicPr>
+          <p:nvPr>
+            <p:ph sz="half" idx="2"/>
+          </p:nvPr>
+        </p:nvPicPr>
+        <p:blipFill>
+          <a:blip r:embed="rId3" cstate="print">
+            <a:extLst>
+              <a:ext uri="{28A0092B-C50C-407E-A947-70E740481C1C}">
+                <a14:useLocalDpi xmlns:a14="http://schemas.microsoft.com/office/drawing/2010/main" val="0"/>
+              </a:ext>
+            </a:extLst>
+          </a:blip>
+          <a:stretch>
+            <a:fillRect/>
+          </a:stretch>
+        </p:blipFill>
+        <p:spPr>
+          <a:xfrm>
+            <a:off x="6600440" y="1867277"/>
+            <a:ext cx="4172720" cy="3980696"/>
+          </a:xfrm>
+        </p:spPr>
+      </p:pic>
+    </p:spTree>
+    <p:extLst>
+      <p:ext uri="{BB962C8B-B14F-4D97-AF65-F5344CB8AC3E}">
+        <p14:creationId xmlns:p14="http://schemas.microsoft.com/office/powerpoint/2010/main" val="2581580831"/>
+      </p:ext>
+    </p:extLst>
+  </p:cSld>
+  <p:clrMapOvr>
+    <a:masterClrMapping/>
+  </p:clrMapOvr>
+  <p:timing>
+    <p:tnLst>
+      <p:par>
+        <p:cTn id="1" dur="indefinite" restart="never" nodeType="tmRoot"/>
+      </p:par>
+    </p:tnLst>
+  </p:timing>
+</p:sld>
+</file>
+
+<file path=ppt/slides/slide16.xml><?xml version="1.0" encoding="utf-8"?>
+<p:sld xmlns:a="http://schemas.openxmlformats.org/drawingml/2006/main" xmlns:r="http://schemas.openxmlformats.org/officeDocument/2006/relationships" xmlns:p="http://schemas.openxmlformats.org/presentationml/2006/main">
+  <p:cSld>
+    <p:spTree>
+      <p:nvGrpSpPr>
+        <p:cNvPr id="1" name=""/>
+        <p:cNvGrpSpPr/>
+        <p:nvPr/>
+      </p:nvGrpSpPr>
+      <p:grpSpPr>
+        <a:xfrm>
+          <a:off x="0" y="0"/>
+          <a:ext cx="0" cy="0"/>
+          <a:chOff x="0" y="0"/>
+          <a:chExt cx="0" cy="0"/>
+        </a:xfrm>
+      </p:grpSpPr>
+      <p:sp>
+        <p:nvSpPr>
+          <p:cNvPr id="2" name="Title 1"/>
+          <p:cNvSpPr>
+            <a:spLocks noGrp="1"/>
+          </p:cNvSpPr>
+          <p:nvPr>
+            <p:ph type="title"/>
+          </p:nvPr>
+        </p:nvSpPr>
+        <p:spPr/>
+        <p:txBody>
+          <a:bodyPr>
+            <a:normAutofit/>
+          </a:bodyPr>
+          <a:lstStyle/>
+          <a:p>
+            <a:r>
+              <a:rPr lang="en-US" dirty="0"/>
+              <a:t>More goodies under the hood</a:t>
+            </a:r>
+          </a:p>
+        </p:txBody>
+      </p:sp>
+      <p:sp>
+        <p:nvSpPr>
+          <p:cNvPr id="5" name="Content Placeholder 4"/>
+          <p:cNvSpPr>
+            <a:spLocks noGrp="1"/>
+          </p:cNvSpPr>
+          <p:nvPr>
+            <p:ph sz="half" idx="1"/>
+          </p:nvPr>
+        </p:nvSpPr>
+        <p:spPr>
+          <a:xfrm>
+            <a:off x="1097280" y="1845734"/>
+            <a:ext cx="4821382" cy="4264121"/>
+          </a:xfrm>
+        </p:spPr>
+        <p:txBody>
+          <a:bodyPr>
+            <a:noAutofit/>
+          </a:bodyPr>
+          <a:lstStyle/>
+          <a:p>
+            <a:pPr>
+              <a:buFont typeface="Wingdings" panose="05000000000000000000" pitchFamily="2" charset="2"/>
+              <a:buChar char="q"/>
+            </a:pPr>
+            <a:r>
+              <a:rPr lang="en-US" sz="1800" b="1" dirty="0"/>
+              <a:t>Quick </a:t>
+            </a:r>
+            <a:r>
+              <a:rPr lang="en-US" sz="1800" b="1" dirty="0" smtClean="0"/>
+              <a:t>deployment</a:t>
+            </a:r>
+            <a:r>
+              <a:rPr lang="en-US" sz="1800" dirty="0" smtClean="0"/>
+              <a:t>: </a:t>
+            </a:r>
+            <a:r>
+              <a:rPr lang="en-US" sz="1800" dirty="0"/>
+              <a:t>Skip the legwork with libraries and demo apps built for popular use cases</a:t>
+            </a:r>
+            <a:r>
+              <a:rPr lang="en-US" sz="1800" dirty="0" smtClean="0"/>
+              <a:t>.</a:t>
+            </a:r>
+          </a:p>
+          <a:p>
+            <a:pPr>
+              <a:buFont typeface="Wingdings" panose="05000000000000000000" pitchFamily="2" charset="2"/>
+              <a:buChar char="q"/>
+            </a:pPr>
+            <a:r>
+              <a:rPr lang="en-US" sz="1800" b="1" dirty="0"/>
+              <a:t>Secure </a:t>
+            </a:r>
+            <a:r>
+              <a:rPr lang="en-US" sz="1800" b="1" dirty="0" smtClean="0"/>
+              <a:t>previews: </a:t>
+            </a:r>
+            <a:r>
+              <a:rPr lang="en-US" sz="1800" dirty="0" smtClean="0"/>
+              <a:t>Preview </a:t>
+            </a:r>
+            <a:r>
+              <a:rPr lang="en-US" sz="1800" dirty="0"/>
+              <a:t>drafts and completed entries without worrying about leaks or service disruptions</a:t>
+            </a:r>
+            <a:r>
+              <a:rPr lang="en-US" sz="1800" dirty="0" smtClean="0"/>
+              <a:t>.</a:t>
+            </a:r>
+          </a:p>
+          <a:p>
+            <a:pPr>
+              <a:buFont typeface="Wingdings" panose="05000000000000000000" pitchFamily="2" charset="2"/>
+              <a:buChar char="q"/>
+            </a:pPr>
+            <a:r>
+              <a:rPr lang="en-US" sz="1800" b="1" dirty="0"/>
+              <a:t>Multiple API </a:t>
+            </a:r>
+            <a:r>
+              <a:rPr lang="en-US" sz="1800" b="1" dirty="0" smtClean="0"/>
+              <a:t>keys: </a:t>
+            </a:r>
+            <a:r>
+              <a:rPr lang="en-US" sz="1800" dirty="0" smtClean="0"/>
+              <a:t>Use </a:t>
+            </a:r>
+            <a:r>
+              <a:rPr lang="en-US" sz="1800" dirty="0"/>
+              <a:t>multiple access tokens to limit content access by device or environment type</a:t>
+            </a:r>
+            <a:r>
+              <a:rPr lang="en-US" sz="1800" dirty="0" smtClean="0"/>
+              <a:t>.</a:t>
+            </a:r>
+          </a:p>
+          <a:p>
+            <a:pPr>
+              <a:buFont typeface="Wingdings" panose="05000000000000000000" pitchFamily="2" charset="2"/>
+              <a:buChar char="q"/>
+            </a:pPr>
+            <a:r>
+              <a:rPr lang="en-US" sz="1800" b="1" dirty="0"/>
+              <a:t>Media </a:t>
+            </a:r>
+            <a:r>
+              <a:rPr lang="en-US" sz="1800" b="1" dirty="0" smtClean="0"/>
+              <a:t>library: </a:t>
+            </a:r>
+            <a:r>
+              <a:rPr lang="en-US" sz="1800" dirty="0" smtClean="0"/>
+              <a:t>Host </a:t>
+            </a:r>
+            <a:r>
+              <a:rPr lang="en-US" sz="1800" dirty="0"/>
+              <a:t>&amp; manage all your assets in one place, update source files without breaking public links</a:t>
+            </a:r>
+            <a:r>
+              <a:rPr lang="en-US" sz="1800" dirty="0" smtClean="0"/>
+              <a:t>.</a:t>
+            </a:r>
+          </a:p>
+        </p:txBody>
+      </p:sp>
+      <p:pic>
+        <p:nvPicPr>
+          <p:cNvPr id="12" name="Picture 11"/>
+          <p:cNvPicPr>
+            <a:picLocks noChangeAspect="1"/>
+          </p:cNvPicPr>
+          <p:nvPr/>
+        </p:nvPicPr>
+        <p:blipFill>
+          <a:blip r:embed="rId2" cstate="print">
+            <a:extLst>
+              <a:ext uri="{28A0092B-C50C-407E-A947-70E740481C1C}">
+                <a14:useLocalDpi xmlns:a14="http://schemas.microsoft.com/office/drawing/2010/main" val="0"/>
+              </a:ext>
+            </a:extLst>
+          </a:blip>
+          <a:stretch>
+            <a:fillRect/>
+          </a:stretch>
+        </p:blipFill>
+        <p:spPr>
+          <a:xfrm>
+            <a:off x="1097280" y="178229"/>
+            <a:ext cx="685798" cy="685798"/>
+          </a:xfrm>
+          <a:prstGeom prst="rect">
+            <a:avLst/>
+          </a:prstGeom>
+        </p:spPr>
+      </p:pic>
+      <p:pic>
+        <p:nvPicPr>
+          <p:cNvPr id="6" name="Content Placeholder 5"/>
+          <p:cNvPicPr>
+            <a:picLocks noGrp="1" noChangeAspect="1"/>
+          </p:cNvPicPr>
+          <p:nvPr>
+            <p:ph sz="half" idx="2"/>
+          </p:nvPr>
+        </p:nvPicPr>
+        <p:blipFill>
+          <a:blip r:embed="rId3" cstate="print">
+            <a:extLst>
+              <a:ext uri="{28A0092B-C50C-407E-A947-70E740481C1C}">
+                <a14:useLocalDpi xmlns:a14="http://schemas.microsoft.com/office/drawing/2010/main" val="0"/>
+              </a:ext>
+            </a:extLst>
+          </a:blip>
+          <a:stretch>
+            <a:fillRect/>
+          </a:stretch>
+        </p:blipFill>
+        <p:spPr>
+          <a:xfrm>
+            <a:off x="6600440" y="1867277"/>
+            <a:ext cx="4172720" cy="3980696"/>
+          </a:xfrm>
+        </p:spPr>
+      </p:pic>
+    </p:spTree>
+    <p:extLst>
+      <p:ext uri="{BB962C8B-B14F-4D97-AF65-F5344CB8AC3E}">
+        <p14:creationId xmlns:p14="http://schemas.microsoft.com/office/powerpoint/2010/main" val="569104306"/>
+      </p:ext>
+    </p:extLst>
+  </p:cSld>
+  <p:clrMapOvr>
+    <a:masterClrMapping/>
+  </p:clrMapOvr>
+  <p:timing>
+    <p:tnLst>
+      <p:par>
+        <p:cTn id="1" dur="indefinite" restart="never" nodeType="tmRoot"/>
+      </p:par>
+    </p:tnLst>
+  </p:timing>
+</p:sld>
+</file>
+
+<file path=ppt/slides/slide17.xml><?xml version="1.0" encoding="utf-8"?>
+<p:sld xmlns:a="http://schemas.openxmlformats.org/drawingml/2006/main" xmlns:r="http://schemas.openxmlformats.org/officeDocument/2006/relationships" xmlns:p="http://schemas.openxmlformats.org/presentationml/2006/main">
+  <p:cSld>
+    <p:spTree>
+      <p:nvGrpSpPr>
+        <p:cNvPr id="1" name=""/>
+        <p:cNvGrpSpPr/>
+        <p:nvPr/>
+      </p:nvGrpSpPr>
+      <p:grpSpPr>
+        <a:xfrm>
+          <a:off x="0" y="0"/>
+          <a:ext cx="0" cy="0"/>
+          <a:chOff x="0" y="0"/>
+          <a:chExt cx="0" cy="0"/>
+        </a:xfrm>
+      </p:grpSpPr>
+      <p:sp>
+        <p:nvSpPr>
+          <p:cNvPr id="2" name="Title 1"/>
+          <p:cNvSpPr>
+            <a:spLocks noGrp="1"/>
+          </p:cNvSpPr>
+          <p:nvPr>
+            <p:ph type="title"/>
+          </p:nvPr>
+        </p:nvSpPr>
+        <p:spPr/>
+        <p:txBody>
+          <a:bodyPr>
+            <a:normAutofit/>
+          </a:bodyPr>
+          <a:lstStyle/>
+          <a:p>
+            <a:r>
+              <a:rPr lang="en-US" dirty="0"/>
+              <a:t>More goodies under the hood</a:t>
+            </a:r>
+          </a:p>
+        </p:txBody>
+      </p:sp>
+      <p:sp>
+        <p:nvSpPr>
+          <p:cNvPr id="5" name="Content Placeholder 4"/>
+          <p:cNvSpPr>
+            <a:spLocks noGrp="1"/>
+          </p:cNvSpPr>
+          <p:nvPr>
+            <p:ph sz="half" idx="1"/>
+          </p:nvPr>
+        </p:nvSpPr>
+        <p:spPr>
+          <a:xfrm>
+            <a:off x="1097280" y="1845734"/>
+            <a:ext cx="4821382" cy="4222557"/>
+          </a:xfrm>
+        </p:spPr>
+        <p:txBody>
+          <a:bodyPr>
+            <a:noAutofit/>
+          </a:bodyPr>
+          <a:lstStyle/>
+          <a:p>
+            <a:pPr>
+              <a:buFont typeface="Wingdings" panose="05000000000000000000" pitchFamily="2" charset="2"/>
+              <a:buChar char="q"/>
+            </a:pPr>
+            <a:r>
+              <a:rPr lang="en-US" sz="1800" b="1" dirty="0"/>
+              <a:t>The power of </a:t>
+            </a:r>
+            <a:r>
+              <a:rPr lang="en-US" sz="1800" b="1" dirty="0" smtClean="0"/>
+              <a:t>Markdown: </a:t>
+            </a:r>
+            <a:r>
+              <a:rPr lang="en-US" sz="1800" dirty="0" smtClean="0"/>
+              <a:t>Write </a:t>
+            </a:r>
+            <a:r>
+              <a:rPr lang="en-US" sz="1800" dirty="0"/>
+              <a:t>faster and publish wider with the built-in Markdown editor</a:t>
+            </a:r>
+            <a:r>
+              <a:rPr lang="en-US" sz="1800" dirty="0" smtClean="0"/>
+              <a:t>.</a:t>
+            </a:r>
+          </a:p>
+          <a:p>
+            <a:pPr>
+              <a:buFont typeface="Wingdings" panose="05000000000000000000" pitchFamily="2" charset="2"/>
+              <a:buChar char="q"/>
+            </a:pPr>
+            <a:r>
+              <a:rPr lang="en-US" sz="1800" b="1" dirty="0"/>
+              <a:t>Third-party </a:t>
+            </a:r>
+            <a:r>
+              <a:rPr lang="en-US" sz="1800" b="1" dirty="0" smtClean="0"/>
+              <a:t>integrations: </a:t>
+            </a:r>
+            <a:r>
+              <a:rPr lang="en-US" sz="1800" dirty="0" smtClean="0"/>
+              <a:t>Enable </a:t>
+            </a:r>
+            <a:r>
+              <a:rPr lang="en-US" sz="1800" dirty="0"/>
+              <a:t>teams to work with externally-hosted content directly in the web app.</a:t>
+            </a:r>
+            <a:endParaRPr lang="en-US" sz="1800" dirty="0" smtClean="0"/>
+          </a:p>
+          <a:p>
+            <a:pPr>
+              <a:buFont typeface="Wingdings" panose="05000000000000000000" pitchFamily="2" charset="2"/>
+              <a:buChar char="q"/>
+            </a:pPr>
+            <a:r>
+              <a:rPr lang="en-US" sz="1800" b="1" dirty="0"/>
+              <a:t>SDKs </a:t>
+            </a:r>
+            <a:r>
+              <a:rPr lang="en-US" sz="1800" b="1" dirty="0" smtClean="0"/>
+              <a:t>galore</a:t>
+            </a:r>
+            <a:r>
+              <a:rPr lang="en-IN" sz="1900" b="1" dirty="0" smtClean="0"/>
+              <a:t>:</a:t>
+            </a:r>
+            <a:r>
+              <a:rPr lang="en-US" sz="1800" dirty="0"/>
+              <a:t>With read &amp; write SDKs for popular languages available out of the box, you can go straight to prototyping</a:t>
+            </a:r>
+            <a:r>
+              <a:rPr lang="en-US" sz="1800" dirty="0" smtClean="0"/>
+              <a:t>.</a:t>
+            </a:r>
+          </a:p>
+          <a:p>
+            <a:pPr>
+              <a:buFont typeface="Wingdings" panose="05000000000000000000" pitchFamily="2" charset="2"/>
+              <a:buChar char="q"/>
+            </a:pPr>
+            <a:r>
+              <a:rPr lang="en-US" sz="1800" b="1" dirty="0" smtClean="0"/>
+              <a:t>Your </a:t>
+            </a:r>
+            <a:r>
+              <a:rPr lang="en-US" sz="1800" b="1" dirty="0"/>
+              <a:t>project, your </a:t>
+            </a:r>
+            <a:r>
+              <a:rPr lang="en-US" sz="1800" b="1" dirty="0" err="1" smtClean="0"/>
+              <a:t>rules:</a:t>
+            </a:r>
+            <a:r>
+              <a:rPr lang="en-US" sz="1800" dirty="0" err="1"/>
+              <a:t>UI</a:t>
+            </a:r>
+            <a:r>
+              <a:rPr lang="en-US" sz="1800" dirty="0"/>
+              <a:t> extensions allow you to customize the web app with new ways of creating, managing, and consuming content.</a:t>
+            </a:r>
+            <a:endParaRPr lang="en-US" sz="1800" b="1" dirty="0"/>
+          </a:p>
+        </p:txBody>
+      </p:sp>
+      <p:pic>
+        <p:nvPicPr>
+          <p:cNvPr id="12" name="Picture 11"/>
+          <p:cNvPicPr>
+            <a:picLocks noChangeAspect="1"/>
+          </p:cNvPicPr>
+          <p:nvPr/>
+        </p:nvPicPr>
+        <p:blipFill>
+          <a:blip r:embed="rId2" cstate="print">
+            <a:extLst>
+              <a:ext uri="{28A0092B-C50C-407E-A947-70E740481C1C}">
+                <a14:useLocalDpi xmlns:a14="http://schemas.microsoft.com/office/drawing/2010/main" val="0"/>
+              </a:ext>
+            </a:extLst>
+          </a:blip>
+          <a:stretch>
+            <a:fillRect/>
+          </a:stretch>
+        </p:blipFill>
+        <p:spPr>
+          <a:xfrm>
+            <a:off x="1097280" y="178229"/>
+            <a:ext cx="685798" cy="685798"/>
+          </a:xfrm>
+          <a:prstGeom prst="rect">
+            <a:avLst/>
+          </a:prstGeom>
+        </p:spPr>
+      </p:pic>
+      <p:pic>
+        <p:nvPicPr>
+          <p:cNvPr id="4" name="Content Placeholder 3"/>
+          <p:cNvPicPr>
+            <a:picLocks noGrp="1" noChangeAspect="1"/>
+          </p:cNvPicPr>
+          <p:nvPr>
+            <p:ph sz="half" idx="2"/>
+          </p:nvPr>
+        </p:nvPicPr>
+        <p:blipFill>
+          <a:blip r:embed="rId3" cstate="print">
+            <a:extLst>
+              <a:ext uri="{28A0092B-C50C-407E-A947-70E740481C1C}">
+                <a14:useLocalDpi xmlns:a14="http://schemas.microsoft.com/office/drawing/2010/main" val="0"/>
+              </a:ext>
+            </a:extLst>
+          </a:blip>
+          <a:stretch>
+            <a:fillRect/>
+          </a:stretch>
+        </p:blipFill>
+        <p:spPr>
+          <a:xfrm>
+            <a:off x="6218238" y="1997675"/>
+            <a:ext cx="4937125" cy="3719900"/>
+          </a:xfrm>
+        </p:spPr>
+      </p:pic>
+    </p:spTree>
+    <p:extLst>
+      <p:ext uri="{BB962C8B-B14F-4D97-AF65-F5344CB8AC3E}">
+        <p14:creationId xmlns:p14="http://schemas.microsoft.com/office/powerpoint/2010/main" val="3719665399"/>
+      </p:ext>
+    </p:extLst>
+  </p:cSld>
+  <p:clrMapOvr>
+    <a:masterClrMapping/>
+  </p:clrMapOvr>
+  <p:timing>
+    <p:tnLst>
+      <p:par>
+        <p:cTn id="1" dur="indefinite" restart="never" nodeType="tmRoot"/>
+      </p:par>
+    </p:tnLst>
+  </p:timing>
+</p:sld>
+</file>
+
+<file path=ppt/slides/slide18.xml><?xml version="1.0" encoding="utf-8"?>
+<p:sld xmlns:a="http://schemas.openxmlformats.org/drawingml/2006/main" xmlns:r="http://schemas.openxmlformats.org/officeDocument/2006/relationships" xmlns:p="http://schemas.openxmlformats.org/presentationml/2006/main">
+  <p:cSld>
+    <p:spTree>
+      <p:nvGrpSpPr>
+        <p:cNvPr id="1" name=""/>
+        <p:cNvGrpSpPr/>
+        <p:nvPr/>
+      </p:nvGrpSpPr>
+      <p:grpSpPr>
+        <a:xfrm>
+          <a:off x="0" y="0"/>
+          <a:ext cx="0" cy="0"/>
+          <a:chOff x="0" y="0"/>
+          <a:chExt cx="0" cy="0"/>
+        </a:xfrm>
+      </p:grpSpPr>
+      <p:sp>
+        <p:nvSpPr>
+          <p:cNvPr id="2" name="Title 1"/>
+          <p:cNvSpPr>
+            <a:spLocks noGrp="1"/>
+          </p:cNvSpPr>
+          <p:nvPr>
+            <p:ph type="title"/>
+          </p:nvPr>
+        </p:nvSpPr>
+        <p:spPr/>
+        <p:txBody>
+          <a:bodyPr>
+            <a:normAutofit/>
+          </a:bodyPr>
+          <a:lstStyle/>
+          <a:p>
+            <a:r>
+              <a:rPr lang="en-US" dirty="0" smtClean="0"/>
+              <a:t>More goodies under the hood</a:t>
+            </a:r>
+            <a:endParaRPr lang="en-US" dirty="0"/>
+          </a:p>
+        </p:txBody>
+      </p:sp>
+      <p:sp>
+        <p:nvSpPr>
+          <p:cNvPr id="5" name="Content Placeholder 4"/>
+          <p:cNvSpPr>
+            <a:spLocks noGrp="1"/>
+          </p:cNvSpPr>
+          <p:nvPr>
+            <p:ph sz="half" idx="1"/>
+          </p:nvPr>
+        </p:nvSpPr>
+        <p:spPr>
+          <a:xfrm>
+            <a:off x="1097280" y="1845734"/>
+            <a:ext cx="4821382" cy="4222557"/>
+          </a:xfrm>
+        </p:spPr>
+        <p:txBody>
+          <a:bodyPr>
+            <a:noAutofit/>
+          </a:bodyPr>
+          <a:lstStyle/>
+          <a:p>
+            <a:pPr>
+              <a:buFont typeface="Wingdings" panose="05000000000000000000" pitchFamily="2" charset="2"/>
+              <a:buChar char="q"/>
+            </a:pPr>
+            <a:r>
+              <a:rPr lang="en-US" sz="1800" b="1" dirty="0"/>
+              <a:t>Mix'n'match your stack: </a:t>
+            </a:r>
+            <a:r>
+              <a:rPr lang="en-US" sz="1800" dirty="0"/>
+              <a:t>Powerful, configurable webhooks allow you to integrate Contentful with any API service out there.</a:t>
+            </a:r>
+          </a:p>
+        </p:txBody>
+      </p:sp>
+      <p:pic>
+        <p:nvPicPr>
+          <p:cNvPr id="12" name="Picture 11"/>
+          <p:cNvPicPr>
+            <a:picLocks noChangeAspect="1"/>
+          </p:cNvPicPr>
+          <p:nvPr/>
+        </p:nvPicPr>
+        <p:blipFill>
+          <a:blip r:embed="rId2" cstate="print">
+            <a:extLst>
+              <a:ext uri="{28A0092B-C50C-407E-A947-70E740481C1C}">
+                <a14:useLocalDpi xmlns:a14="http://schemas.microsoft.com/office/drawing/2010/main" val="0"/>
+              </a:ext>
+            </a:extLst>
+          </a:blip>
+          <a:stretch>
+            <a:fillRect/>
+          </a:stretch>
+        </p:blipFill>
+        <p:spPr>
+          <a:xfrm>
+            <a:off x="1097280" y="178229"/>
+            <a:ext cx="685798" cy="685798"/>
+          </a:xfrm>
+          <a:prstGeom prst="rect">
+            <a:avLst/>
+          </a:prstGeom>
+        </p:spPr>
+      </p:pic>
+      <p:pic>
+        <p:nvPicPr>
+          <p:cNvPr id="6" name="Content Placeholder 5"/>
+          <p:cNvPicPr>
+            <a:picLocks noGrp="1" noChangeAspect="1"/>
+          </p:cNvPicPr>
+          <p:nvPr>
+            <p:ph sz="half" idx="2"/>
+          </p:nvPr>
+        </p:nvPicPr>
+        <p:blipFill>
+          <a:blip r:embed="rId3">
+            <a:extLst>
+              <a:ext uri="{28A0092B-C50C-407E-A947-70E740481C1C}">
+                <a14:useLocalDpi xmlns:a14="http://schemas.microsoft.com/office/drawing/2010/main" val="0"/>
+              </a:ext>
+            </a:extLst>
+          </a:blip>
+          <a:stretch>
+            <a:fillRect/>
+          </a:stretch>
+        </p:blipFill>
+        <p:spPr>
+          <a:xfrm>
+            <a:off x="6051868" y="2047009"/>
+            <a:ext cx="5103496" cy="3506910"/>
+          </a:xfrm>
+        </p:spPr>
+      </p:pic>
+    </p:spTree>
+    <p:extLst>
+      <p:ext uri="{BB962C8B-B14F-4D97-AF65-F5344CB8AC3E}">
+        <p14:creationId xmlns:p14="http://schemas.microsoft.com/office/powerpoint/2010/main" val="2812423863"/>
+      </p:ext>
+    </p:extLst>
+  </p:cSld>
+  <p:clrMapOvr>
+    <a:masterClrMapping/>
+  </p:clrMapOvr>
+  <p:timing>
+    <p:tnLst>
+      <p:par>
+        <p:cTn id="1" dur="indefinite" restart="never" nodeType="tmRoot"/>
+      </p:par>
+    </p:tnLst>
+  </p:timing>
+</p:sld>
+</file>
+
 <file path=ppt/slides/slide2.xml><?xml version="1.0" encoding="utf-8"?>
 <p:sld xmlns:a="http://schemas.openxmlformats.org/drawingml/2006/main" xmlns:r="http://schemas.openxmlformats.org/officeDocument/2006/relationships" xmlns:p="http://schemas.openxmlformats.org/presentationml/2006/main">
   <p:cSld>
@@ -4452,12 +6437,90 @@
             </a:pPr>
             <a:r>
               <a:rPr lang="en-US" dirty="0" smtClean="0"/>
-              <a:t>Why </a:t>
+              <a:t>Why Headless?</a:t>
+            </a:r>
+          </a:p>
+          <a:p>
+            <a:pPr>
+              <a:buFont typeface="Wingdings" panose="05000000000000000000" pitchFamily="2" charset="2"/>
+              <a:buChar char="q"/>
+            </a:pPr>
+            <a:r>
+              <a:rPr lang="en-IN" dirty="0" smtClean="0"/>
+              <a:t>Exciting feature of headless</a:t>
+            </a:r>
+          </a:p>
+          <a:p>
+            <a:pPr>
+              <a:buFont typeface="Wingdings" panose="05000000000000000000" pitchFamily="2" charset="2"/>
+              <a:buChar char="q"/>
+            </a:pPr>
+            <a:r>
+              <a:rPr lang="en-IN" dirty="0" smtClean="0"/>
+              <a:t>List of Headless CMS in market</a:t>
+            </a:r>
+          </a:p>
+          <a:p>
+            <a:pPr>
+              <a:buFont typeface="Wingdings" panose="05000000000000000000" pitchFamily="2" charset="2"/>
+              <a:buChar char="q"/>
+            </a:pPr>
+            <a:r>
+              <a:rPr lang="en-IN" dirty="0" smtClean="0"/>
+              <a:t>Why Contentful</a:t>
+            </a:r>
+            <a:r>
+              <a:rPr lang="en-IN" dirty="0"/>
+              <a:t> </a:t>
+            </a:r>
+            <a:r>
+              <a:rPr lang="en-IN" dirty="0" smtClean="0"/>
+              <a:t>is a good choice</a:t>
+            </a:r>
+          </a:p>
+          <a:p>
+            <a:pPr>
+              <a:buFont typeface="Wingdings" panose="05000000000000000000" pitchFamily="2" charset="2"/>
+              <a:buChar char="q"/>
+            </a:pPr>
+            <a:r>
+              <a:rPr lang="en-US" dirty="0"/>
+              <a:t>More goodies under the </a:t>
             </a:r>
             <a:r>
               <a:rPr lang="en-US" dirty="0" smtClean="0"/>
-              <a:t>Headless?</a:t>
-            </a:r>
+              <a:t>hood</a:t>
+            </a:r>
+          </a:p>
+          <a:p>
+            <a:pPr>
+              <a:buFont typeface="Wingdings" panose="05000000000000000000" pitchFamily="2" charset="2"/>
+              <a:buChar char="q"/>
+            </a:pPr>
+            <a:r>
+              <a:rPr lang="en-IN" dirty="0" smtClean="0"/>
+              <a:t>Why Altudo is best choice for contentful</a:t>
+            </a:r>
+            <a:endParaRPr lang="en-IN" dirty="0"/>
+          </a:p>
+          <a:p>
+            <a:pPr marL="0" indent="0">
+              <a:buNone/>
+            </a:pPr>
+            <a:endParaRPr lang="en-IN" dirty="0" smtClean="0"/>
+          </a:p>
+          <a:p>
+            <a:pPr>
+              <a:buFont typeface="Wingdings" panose="05000000000000000000" pitchFamily="2" charset="2"/>
+              <a:buChar char="q"/>
+            </a:pPr>
+            <a:endParaRPr lang="en-US" dirty="0" smtClean="0"/>
+          </a:p>
+          <a:p>
+            <a:pPr>
+              <a:buFont typeface="Wingdings" panose="05000000000000000000" pitchFamily="2" charset="2"/>
+              <a:buChar char="q"/>
+            </a:pPr>
             <a:endParaRPr lang="en-US" dirty="0" smtClean="0"/>
           </a:p>
           <a:p>
@@ -4694,7 +6757,7 @@
         </p:nvSpPr>
         <p:spPr>
           <a:xfrm>
-            <a:off x="1111897" y="1814422"/>
+            <a:off x="1149234" y="1814422"/>
             <a:ext cx="7165616" cy="830997"/>
           </a:xfrm>
           <a:prstGeom prst="rect">
@@ -5244,11 +7307,11 @@
             </a:r>
             <a:r>
               <a:rPr lang="en-US" sz="1900" dirty="0"/>
-              <a:t>our editors are writing and publishing on the back end of the same </a:t>
+              <a:t>our editors are writing and publishing on the back end of </a:t>
             </a:r>
             <a:r>
               <a:rPr lang="en-US" sz="1900" dirty="0" smtClean="0"/>
-              <a:t>different ecosystem.</a:t>
+              <a:t>the different ecosystem.</a:t>
             </a:r>
             <a:endParaRPr lang="en-IN" sz="1900" b="1" dirty="0"/>
           </a:p>
@@ -5764,7 +7827,6 @@
               <a:rPr lang="en-US" dirty="0"/>
               <a:t>Why Headless?</a:t>
             </a:r>
-            <a:endParaRPr lang="en-US" dirty="0"/>
           </a:p>
         </p:txBody>
       </p:sp>
@@ -5903,15 +7965,7 @@
           <a:p>
             <a:r>
               <a:rPr lang="en-IN" sz="2400" b="1" dirty="0" smtClean="0"/>
-              <a:t>How </a:t>
-            </a:r>
-            <a:r>
-              <a:rPr lang="en-IN" sz="2400" b="1" dirty="0" smtClean="0"/>
-              <a:t>headless is solving </a:t>
-            </a:r>
-            <a:r>
-              <a:rPr lang="en-IN" sz="2400" b="1" dirty="0" smtClean="0"/>
-              <a:t>problem?</a:t>
+              <a:t>How headless is solving problem?</a:t>
             </a:r>
             <a:endParaRPr lang="en-IN" sz="2400" b="1" dirty="0"/>
           </a:p>
@@ -6120,107 +8174,42 @@
           </a:bodyPr>
           <a:lstStyle/>
           <a:p>
-            <a:pPr marL="0" indent="0">
-              <a:buNone/>
+            <a:pPr>
+              <a:buFont typeface="Wingdings" panose="05000000000000000000" pitchFamily="2" charset="2"/>
+              <a:buChar char="q"/>
             </a:pPr>
             <a:r>
+              <a:rPr lang="en-US" sz="1800" b="1" dirty="0" smtClean="0"/>
+              <a:t>Ready </a:t>
+            </a:r>
+            <a:r>
+              <a:rPr lang="en-US" sz="1800" b="1" dirty="0"/>
+              <a:t>to be distributed to any digital platform. No more swapping between multiple </a:t>
+            </a:r>
+            <a:r>
+              <a:rPr lang="en-US" sz="1800" b="1" dirty="0" err="1"/>
+              <a:t>CMSes</a:t>
+            </a:r>
+            <a:r>
+              <a:rPr lang="en-US" sz="1800" b="1" dirty="0" smtClean="0"/>
+              <a:t>.</a:t>
+            </a:r>
+          </a:p>
+          <a:p>
+            <a:pPr>
+              <a:buFont typeface="Wingdings" panose="05000000000000000000" pitchFamily="2" charset="2"/>
+              <a:buChar char="q"/>
+            </a:pPr>
+            <a:r>
               <a:rPr lang="en-IN" sz="1900" b="1" dirty="0" smtClean="0"/>
-              <a:t>Architectural Approach</a:t>
-            </a:r>
-            <a:r>
-              <a:rPr lang="en-IN" sz="1900" dirty="0" smtClean="0"/>
-              <a:t>: </a:t>
-            </a:r>
-            <a:r>
-              <a:rPr lang="en-US" sz="1800" b="1" dirty="0" smtClean="0">
-                <a:solidFill>
-                  <a:srgbClr val="FFC000"/>
-                </a:solidFill>
-              </a:rPr>
-              <a:t>C</a:t>
-            </a:r>
-            <a:r>
-              <a:rPr lang="en-US" sz="1800" dirty="0" smtClean="0"/>
-              <a:t>ontent-only </a:t>
-            </a:r>
-            <a:r>
-              <a:rPr lang="en-US" sz="1800" dirty="0"/>
-              <a:t>data source and has no functionality within the CMS to present content to an end user on it’s own</a:t>
-            </a:r>
-            <a:r>
-              <a:rPr lang="en-IN" sz="1900" dirty="0" smtClean="0"/>
-              <a:t>.</a:t>
-            </a:r>
-          </a:p>
-          <a:p>
-            <a:pPr marL="0" indent="0">
-              <a:buNone/>
+              <a:t>Enjoy the new powerful presentation features of any language any time you want without affecting data and other presentation.</a:t>
+            </a:r>
+          </a:p>
+          <a:p>
+            <a:pPr>
+              <a:buFont typeface="Wingdings" panose="05000000000000000000" pitchFamily="2" charset="2"/>
+              <a:buChar char="q"/>
             </a:pPr>
-            <a:r>
-              <a:rPr lang="en-IN" sz="1900" b="1" dirty="0" smtClean="0"/>
-              <a:t>Storage</a:t>
-            </a:r>
-            <a:r>
-              <a:rPr lang="en-IN" sz="1900" dirty="0" smtClean="0"/>
-              <a:t>: </a:t>
-            </a:r>
-            <a:r>
-              <a:rPr lang="en-US" sz="1800" b="1" dirty="0" smtClean="0">
-                <a:solidFill>
-                  <a:srgbClr val="FFC000"/>
-                </a:solidFill>
-              </a:rPr>
-              <a:t>C</a:t>
-            </a:r>
-            <a:r>
-              <a:rPr lang="en-US" sz="1800" dirty="0" smtClean="0"/>
-              <a:t>loud storage where the </a:t>
-            </a:r>
-            <a:r>
-              <a:rPr lang="en-US" sz="1900" dirty="0" smtClean="0"/>
-              <a:t>content </a:t>
-            </a:r>
-            <a:r>
-              <a:rPr lang="en-US" sz="1900" dirty="0"/>
-              <a:t>is created, managed, and stored—along with all digital </a:t>
-            </a:r>
-            <a:r>
-              <a:rPr lang="en-US" sz="1900" dirty="0" smtClean="0"/>
-              <a:t>assets only without frontend code</a:t>
-            </a:r>
-            <a:r>
-              <a:rPr lang="en-IN" sz="1900" dirty="0" smtClean="0"/>
-              <a:t>.</a:t>
-            </a:r>
-          </a:p>
-          <a:p>
-            <a:pPr marL="0" indent="0">
-              <a:buNone/>
-            </a:pPr>
-            <a:r>
-              <a:rPr lang="en-IN" sz="1900" b="1" dirty="0" smtClean="0"/>
-              <a:t>Editor platform</a:t>
-            </a:r>
-            <a:r>
-              <a:rPr lang="en-IN" sz="1900" dirty="0" smtClean="0"/>
-              <a:t>: </a:t>
-            </a:r>
-            <a:r>
-              <a:rPr lang="en-US" sz="1900" b="1" dirty="0">
-                <a:solidFill>
-                  <a:srgbClr val="FFC000"/>
-                </a:solidFill>
-              </a:rPr>
-              <a:t>Y</a:t>
-            </a:r>
-            <a:r>
-              <a:rPr lang="en-US" sz="1900" dirty="0"/>
-              <a:t>our editors are writing and publishing on the back end of the same </a:t>
-            </a:r>
-            <a:r>
-              <a:rPr lang="en-US" sz="1900" dirty="0" smtClean="0"/>
-              <a:t>different ecosystem.</a:t>
-            </a:r>
             <a:endParaRPr lang="en-IN" sz="1900" b="1" dirty="0"/>
           </a:p>
         </p:txBody>
@@ -6234,7 +8223,7 @@
         <p:spPr>
           <a:xfrm>
             <a:off x="1111897" y="1814422"/>
-            <a:ext cx="3625929" cy="830997"/>
+            <a:ext cx="2727798" cy="830997"/>
           </a:xfrm>
           <a:prstGeom prst="rect">
             <a:avLst/>
@@ -6251,15 +8240,7 @@
           <a:p>
             <a:r>
               <a:rPr lang="en-US" sz="2400" b="1" dirty="0" smtClean="0"/>
-              <a:t>Headless </a:t>
-            </a:r>
-            <a:r>
-              <a:rPr lang="en-US" sz="2400" b="1" dirty="0"/>
-              <a:t>CMS </a:t>
-            </a:r>
-            <a:r>
-              <a:rPr lang="en-US" sz="2400" b="1" dirty="0" smtClean="0"/>
-              <a:t>Architecture</a:t>
+              <a:t>Futuristic approach</a:t>
             </a:r>
             <a:endParaRPr lang="en-US" sz="2400" b="1" dirty="0"/>
           </a:p>
@@ -6297,7 +8278,7 @@
       </p:pic>
       <p:pic>
         <p:nvPicPr>
-          <p:cNvPr id="4" name="Content Placeholder 3"/>
+          <p:cNvPr id="8" name="Content Placeholder 7"/>
           <p:cNvPicPr>
             <a:picLocks noGrp="1" noChangeAspect="1"/>
           </p:cNvPicPr>
@@ -6319,8 +8300,8 @@
         </p:blipFill>
         <p:spPr>
           <a:xfrm>
-            <a:off x="6218238" y="2623344"/>
-            <a:ext cx="4937125" cy="2468562"/>
+            <a:off x="6476512" y="1846263"/>
+            <a:ext cx="4420576" cy="4022725"/>
           </a:xfrm>
         </p:spPr>
       </p:pic>
@@ -6328,6 +8309,227 @@
     <p:extLst>
       <p:ext uri="{BB962C8B-B14F-4D97-AF65-F5344CB8AC3E}">
         <p14:creationId xmlns:p14="http://schemas.microsoft.com/office/powerpoint/2010/main" val="187572026"/>
+      </p:ext>
+    </p:extLst>
+  </p:cSld>
+  <p:clrMapOvr>
+    <a:masterClrMapping/>
+  </p:clrMapOvr>
+  <p:timing>
+    <p:tnLst>
+      <p:par>
+        <p:cTn id="1" dur="indefinite" restart="never" nodeType="tmRoot"/>
+      </p:par>
+    </p:tnLst>
+  </p:timing>
+</p:sld>
+</file>
+
+<file path=ppt/slides/slide9.xml><?xml version="1.0" encoding="utf-8"?>
+<p:sld xmlns:a="http://schemas.openxmlformats.org/drawingml/2006/main" xmlns:r="http://schemas.openxmlformats.org/officeDocument/2006/relationships" xmlns:p="http://schemas.openxmlformats.org/presentationml/2006/main">
+  <p:cSld>
+    <p:spTree>
+      <p:nvGrpSpPr>
+        <p:cNvPr id="1" name=""/>
+        <p:cNvGrpSpPr/>
+        <p:nvPr/>
+      </p:nvGrpSpPr>
+      <p:grpSpPr>
+        <a:xfrm>
+          <a:off x="0" y="0"/>
+          <a:ext cx="0" cy="0"/>
+          <a:chOff x="0" y="0"/>
+          <a:chExt cx="0" cy="0"/>
+        </a:xfrm>
+      </p:grpSpPr>
+      <p:sp>
+        <p:nvSpPr>
+          <p:cNvPr id="2" name="Title 1"/>
+          <p:cNvSpPr>
+            <a:spLocks noGrp="1"/>
+          </p:cNvSpPr>
+          <p:nvPr>
+            <p:ph type="title"/>
+          </p:nvPr>
+        </p:nvSpPr>
+        <p:spPr/>
+        <p:txBody>
+          <a:bodyPr>
+            <a:normAutofit/>
+          </a:bodyPr>
+          <a:lstStyle/>
+          <a:p>
+            <a:r>
+              <a:rPr lang="en-IN" dirty="0" smtClean="0"/>
+              <a:t>Exciting Features of Headless</a:t>
+            </a:r>
+            <a:endParaRPr lang="en-US" dirty="0"/>
+          </a:p>
+        </p:txBody>
+      </p:sp>
+      <p:sp>
+        <p:nvSpPr>
+          <p:cNvPr id="5" name="Content Placeholder 4"/>
+          <p:cNvSpPr>
+            <a:spLocks noGrp="1"/>
+          </p:cNvSpPr>
+          <p:nvPr>
+            <p:ph sz="half" idx="1"/>
+          </p:nvPr>
+        </p:nvSpPr>
+        <p:spPr>
+          <a:xfrm>
+            <a:off x="1226127" y="3013301"/>
+            <a:ext cx="4821382" cy="2867953"/>
+          </a:xfrm>
+        </p:spPr>
+        <p:txBody>
+          <a:bodyPr>
+            <a:noAutofit/>
+          </a:bodyPr>
+          <a:lstStyle/>
+          <a:p>
+            <a:pPr>
+              <a:buFont typeface="Wingdings" panose="05000000000000000000" pitchFamily="2" charset="2"/>
+              <a:buChar char="q"/>
+            </a:pPr>
+            <a:r>
+              <a:rPr lang="en-US" sz="1900" b="1" dirty="0" smtClean="0"/>
+              <a:t>Cuts software </a:t>
+            </a:r>
+            <a:r>
+              <a:rPr lang="en-US" sz="1900" b="1" dirty="0"/>
+              <a:t>development and delivery time, bringing fresh experiences to your customers more </a:t>
+            </a:r>
+            <a:r>
+              <a:rPr lang="en-US" sz="1900" b="1" dirty="0" smtClean="0"/>
+              <a:t>often.</a:t>
+            </a:r>
+            <a:endParaRPr lang="en-IN" sz="1900" b="1" dirty="0" smtClean="0"/>
+          </a:p>
+          <a:p>
+            <a:pPr>
+              <a:buFont typeface="Wingdings" panose="05000000000000000000" pitchFamily="2" charset="2"/>
+              <a:buChar char="q"/>
+            </a:pPr>
+            <a:r>
+              <a:rPr lang="en-IN" sz="1900" b="1" dirty="0" smtClean="0"/>
+              <a:t>Separating Data from presentation layer serves faster user experience.</a:t>
+            </a:r>
+          </a:p>
+          <a:p>
+            <a:pPr>
+              <a:buFont typeface="Wingdings" panose="05000000000000000000" pitchFamily="2" charset="2"/>
+              <a:buChar char="q"/>
+            </a:pPr>
+            <a:r>
+              <a:rPr lang="en-IN" sz="1900" b="1" dirty="0" smtClean="0"/>
+              <a:t>Direct communication with devices brings faster experience. </a:t>
+            </a:r>
+          </a:p>
+          <a:p>
+            <a:pPr>
+              <a:buFont typeface="Wingdings" panose="05000000000000000000" pitchFamily="2" charset="2"/>
+              <a:buChar char="q"/>
+            </a:pPr>
+            <a:endParaRPr lang="en-IN" sz="1900" b="1" dirty="0"/>
+          </a:p>
+        </p:txBody>
+      </p:sp>
+      <p:sp>
+        <p:nvSpPr>
+          <p:cNvPr id="11" name="Rectangle 10"/>
+          <p:cNvSpPr/>
+          <p:nvPr/>
+        </p:nvSpPr>
+        <p:spPr>
+          <a:xfrm>
+            <a:off x="1111897" y="1814422"/>
+            <a:ext cx="2843214" cy="830997"/>
+          </a:xfrm>
+          <a:prstGeom prst="rect">
+            <a:avLst/>
+          </a:prstGeom>
+        </p:spPr>
+        <p:txBody>
+          <a:bodyPr wrap="none">
+            <a:spAutoFit/>
+          </a:bodyPr>
+          <a:lstStyle/>
+          <a:p>
+            <a:endParaRPr lang="en-IN" sz="2400" b="1" dirty="0" smtClean="0"/>
+          </a:p>
+          <a:p>
+            <a:r>
+              <a:rPr lang="en-US" sz="2400" b="1" dirty="0"/>
+              <a:t>You get fast, real fast</a:t>
+            </a:r>
+          </a:p>
+        </p:txBody>
+      </p:sp>
+      <p:pic>
+        <p:nvPicPr>
+          <p:cNvPr id="12" name="Picture 11"/>
+          <p:cNvPicPr>
+            <a:picLocks noChangeAspect="1"/>
+          </p:cNvPicPr>
+          <p:nvPr/>
+        </p:nvPicPr>
+        <p:blipFill>
+          <a:blip r:embed="rId2" cstate="print">
+            <a:extLst>
+              <a:ext uri="{28A0092B-C50C-407E-A947-70E740481C1C}">
+                <a14:useLocalDpi xmlns:a14="http://schemas.microsoft.com/office/drawing/2010/main" val="0"/>
+              </a:ext>
+            </a:extLst>
+          </a:blip>
+          <a:stretch>
+            <a:fillRect/>
+          </a:stretch>
+        </p:blipFill>
+        <p:spPr>
+          <a:xfrm>
+            <a:off x="1097280" y="178229"/>
+            <a:ext cx="685798" cy="685798"/>
+          </a:xfrm>
+          <a:prstGeom prst="rect">
+            <a:avLst/>
+          </a:prstGeom>
+        </p:spPr>
+      </p:pic>
+      <p:pic>
+        <p:nvPicPr>
+          <p:cNvPr id="4" name="Content Placeholder 3"/>
+          <p:cNvPicPr>
+            <a:picLocks noGrp="1" noChangeAspect="1"/>
+          </p:cNvPicPr>
+          <p:nvPr>
+            <p:ph sz="half" idx="2"/>
+          </p:nvPr>
+        </p:nvPicPr>
+        <p:blipFill>
+          <a:blip r:embed="rId3">
+            <a:extLst>
+              <a:ext uri="{28A0092B-C50C-407E-A947-70E740481C1C}">
+                <a14:useLocalDpi xmlns:a14="http://schemas.microsoft.com/office/drawing/2010/main" val="0"/>
+              </a:ext>
+            </a:extLst>
+          </a:blip>
+          <a:stretch>
+            <a:fillRect/>
+          </a:stretch>
+        </p:blipFill>
+        <p:spPr>
+          <a:xfrm>
+            <a:off x="6218238" y="2768167"/>
+            <a:ext cx="4937125" cy="2178917"/>
+          </a:xfrm>
+        </p:spPr>
+      </p:pic>
+    </p:spTree>
+    <p:extLst>
+      <p:ext uri="{BB962C8B-B14F-4D97-AF65-F5344CB8AC3E}">
+        <p14:creationId xmlns:p14="http://schemas.microsoft.com/office/powerpoint/2010/main" val="93347369"/>
       </p:ext>
     </p:extLst>
   </p:cSld>
